--- a/QCM MATLAB manual/Figures/Figures.pptx
+++ b/QCM MATLAB manual/Figures/Figures.pptx
@@ -11,6 +11,9 @@
     <p:sldId id="260" r:id="rId5"/>
     <p:sldId id="261" r:id="rId6"/>
     <p:sldId id="262" r:id="rId7"/>
+    <p:sldId id="263" r:id="rId8"/>
+    <p:sldId id="264" r:id="rId9"/>
+    <p:sldId id="265" r:id="rId10"/>
   </p:sldIdLst>
   <p:sldSz cx="6858000" cy="9144000" type="letter"/>
   <p:notesSz cx="9144000" cy="6858000"/>
@@ -170,7 +173,7 @@
           </a:lstStyle>
           <a:p>
             <a:r>
-              <a:rPr lang="en-US" smtClean="0"/>
+              <a:rPr lang="en-US"/>
               <a:t>Click to edit Master title style</a:t>
             </a:r>
             <a:endParaRPr lang="en-US" dirty="0"/>
@@ -235,7 +238,7 @@
           </a:lstStyle>
           <a:p>
             <a:r>
-              <a:rPr lang="en-US" smtClean="0"/>
+              <a:rPr lang="en-US"/>
               <a:t>Click to edit Master subtitle style</a:t>
             </a:r>
             <a:endParaRPr lang="en-US" dirty="0"/>
@@ -259,7 +262,7 @@
           <a:p>
             <a:fld id="{FCFD000D-92E6-4567-9488-02161D747F95}" type="datetimeFigureOut">
               <a:rPr lang="en-US" smtClean="0"/>
-              <a:t>6/21/2015</a:t>
+              <a:t>8/11/17</a:t>
             </a:fld>
             <a:endParaRPr lang="en-US"/>
           </a:p>
@@ -353,7 +356,7 @@
           <a:lstStyle/>
           <a:p>
             <a:r>
-              <a:rPr lang="en-US" smtClean="0"/>
+              <a:rPr lang="en-US"/>
               <a:t>Click to edit Master title style</a:t>
             </a:r>
             <a:endParaRPr lang="en-US" dirty="0"/>
@@ -377,35 +380,35 @@
           <a:p>
             <a:pPr lvl="0"/>
             <a:r>
-              <a:rPr lang="en-US" smtClean="0"/>
+              <a:rPr lang="en-US"/>
               <a:t>Click to edit Master text styles</a:t>
             </a:r>
           </a:p>
           <a:p>
             <a:pPr lvl="1"/>
             <a:r>
-              <a:rPr lang="en-US" smtClean="0"/>
+              <a:rPr lang="en-US"/>
               <a:t>Second level</a:t>
             </a:r>
           </a:p>
           <a:p>
             <a:pPr lvl="2"/>
             <a:r>
-              <a:rPr lang="en-US" smtClean="0"/>
+              <a:rPr lang="en-US"/>
               <a:t>Third level</a:t>
             </a:r>
           </a:p>
           <a:p>
             <a:pPr lvl="3"/>
             <a:r>
-              <a:rPr lang="en-US" smtClean="0"/>
+              <a:rPr lang="en-US"/>
               <a:t>Fourth level</a:t>
             </a:r>
           </a:p>
           <a:p>
             <a:pPr lvl="4"/>
             <a:r>
-              <a:rPr lang="en-US" smtClean="0"/>
+              <a:rPr lang="en-US"/>
               <a:t>Fifth level</a:t>
             </a:r>
             <a:endParaRPr lang="en-US" dirty="0"/>
@@ -429,7 +432,7 @@
           <a:p>
             <a:fld id="{FCFD000D-92E6-4567-9488-02161D747F95}" type="datetimeFigureOut">
               <a:rPr lang="en-US" smtClean="0"/>
-              <a:t>6/21/2015</a:t>
+              <a:t>8/11/17</a:t>
             </a:fld>
             <a:endParaRPr lang="en-US"/>
           </a:p>
@@ -528,7 +531,7 @@
           <a:lstStyle/>
           <a:p>
             <a:r>
-              <a:rPr lang="en-US" smtClean="0"/>
+              <a:rPr lang="en-US"/>
               <a:t>Click to edit Master title style</a:t>
             </a:r>
             <a:endParaRPr lang="en-US" dirty="0"/>
@@ -557,35 +560,35 @@
           <a:p>
             <a:pPr lvl="0"/>
             <a:r>
-              <a:rPr lang="en-US" smtClean="0"/>
+              <a:rPr lang="en-US"/>
               <a:t>Click to edit Master text styles</a:t>
             </a:r>
           </a:p>
           <a:p>
             <a:pPr lvl="1"/>
             <a:r>
-              <a:rPr lang="en-US" smtClean="0"/>
+              <a:rPr lang="en-US"/>
               <a:t>Second level</a:t>
             </a:r>
           </a:p>
           <a:p>
             <a:pPr lvl="2"/>
             <a:r>
-              <a:rPr lang="en-US" smtClean="0"/>
+              <a:rPr lang="en-US"/>
               <a:t>Third level</a:t>
             </a:r>
           </a:p>
           <a:p>
             <a:pPr lvl="3"/>
             <a:r>
-              <a:rPr lang="en-US" smtClean="0"/>
+              <a:rPr lang="en-US"/>
               <a:t>Fourth level</a:t>
             </a:r>
           </a:p>
           <a:p>
             <a:pPr lvl="4"/>
             <a:r>
-              <a:rPr lang="en-US" smtClean="0"/>
+              <a:rPr lang="en-US"/>
               <a:t>Fifth level</a:t>
             </a:r>
             <a:endParaRPr lang="en-US" dirty="0"/>
@@ -609,7 +612,7 @@
           <a:p>
             <a:fld id="{FCFD000D-92E6-4567-9488-02161D747F95}" type="datetimeFigureOut">
               <a:rPr lang="en-US" smtClean="0"/>
-              <a:t>6/21/2015</a:t>
+              <a:t>8/11/17</a:t>
             </a:fld>
             <a:endParaRPr lang="en-US"/>
           </a:p>
@@ -703,7 +706,7 @@
           <a:lstStyle/>
           <a:p>
             <a:r>
-              <a:rPr lang="en-US" smtClean="0"/>
+              <a:rPr lang="en-US"/>
               <a:t>Click to edit Master title style</a:t>
             </a:r>
             <a:endParaRPr lang="en-US" dirty="0"/>
@@ -727,35 +730,35 @@
           <a:p>
             <a:pPr lvl="0"/>
             <a:r>
-              <a:rPr lang="en-US" smtClean="0"/>
+              <a:rPr lang="en-US"/>
               <a:t>Click to edit Master text styles</a:t>
             </a:r>
           </a:p>
           <a:p>
             <a:pPr lvl="1"/>
             <a:r>
-              <a:rPr lang="en-US" smtClean="0"/>
+              <a:rPr lang="en-US"/>
               <a:t>Second level</a:t>
             </a:r>
           </a:p>
           <a:p>
             <a:pPr lvl="2"/>
             <a:r>
-              <a:rPr lang="en-US" smtClean="0"/>
+              <a:rPr lang="en-US"/>
               <a:t>Third level</a:t>
             </a:r>
           </a:p>
           <a:p>
             <a:pPr lvl="3"/>
             <a:r>
-              <a:rPr lang="en-US" smtClean="0"/>
+              <a:rPr lang="en-US"/>
               <a:t>Fourth level</a:t>
             </a:r>
           </a:p>
           <a:p>
             <a:pPr lvl="4"/>
             <a:r>
-              <a:rPr lang="en-US" smtClean="0"/>
+              <a:rPr lang="en-US"/>
               <a:t>Fifth level</a:t>
             </a:r>
             <a:endParaRPr lang="en-US" dirty="0"/>
@@ -779,7 +782,7 @@
           <a:p>
             <a:fld id="{FCFD000D-92E6-4567-9488-02161D747F95}" type="datetimeFigureOut">
               <a:rPr lang="en-US" smtClean="0"/>
-              <a:t>6/21/2015</a:t>
+              <a:t>8/11/17</a:t>
             </a:fld>
             <a:endParaRPr lang="en-US"/>
           </a:p>
@@ -882,7 +885,7 @@
           </a:lstStyle>
           <a:p>
             <a:r>
-              <a:rPr lang="en-US" smtClean="0"/>
+              <a:rPr lang="en-US"/>
               <a:t>Click to edit Master title style</a:t>
             </a:r>
             <a:endParaRPr lang="en-US" dirty="0"/>
@@ -1000,7 +1003,7 @@
           <a:p>
             <a:pPr lvl="0"/>
             <a:r>
-              <a:rPr lang="en-US" smtClean="0"/>
+              <a:rPr lang="en-US"/>
               <a:t>Click to edit Master text styles</a:t>
             </a:r>
           </a:p>
@@ -1023,7 +1026,7 @@
           <a:p>
             <a:fld id="{FCFD000D-92E6-4567-9488-02161D747F95}" type="datetimeFigureOut">
               <a:rPr lang="en-US" smtClean="0"/>
-              <a:t>6/21/2015</a:t>
+              <a:t>8/11/17</a:t>
             </a:fld>
             <a:endParaRPr lang="en-US"/>
           </a:p>
@@ -1117,7 +1120,7 @@
           <a:lstStyle/>
           <a:p>
             <a:r>
-              <a:rPr lang="en-US" smtClean="0"/>
+              <a:rPr lang="en-US"/>
               <a:t>Click to edit Master title style</a:t>
             </a:r>
             <a:endParaRPr lang="en-US" dirty="0"/>
@@ -1146,35 +1149,35 @@
           <a:p>
             <a:pPr lvl="0"/>
             <a:r>
-              <a:rPr lang="en-US" smtClean="0"/>
+              <a:rPr lang="en-US"/>
               <a:t>Click to edit Master text styles</a:t>
             </a:r>
           </a:p>
           <a:p>
             <a:pPr lvl="1"/>
             <a:r>
-              <a:rPr lang="en-US" smtClean="0"/>
+              <a:rPr lang="en-US"/>
               <a:t>Second level</a:t>
             </a:r>
           </a:p>
           <a:p>
             <a:pPr lvl="2"/>
             <a:r>
-              <a:rPr lang="en-US" smtClean="0"/>
+              <a:rPr lang="en-US"/>
               <a:t>Third level</a:t>
             </a:r>
           </a:p>
           <a:p>
             <a:pPr lvl="3"/>
             <a:r>
-              <a:rPr lang="en-US" smtClean="0"/>
+              <a:rPr lang="en-US"/>
               <a:t>Fourth level</a:t>
             </a:r>
           </a:p>
           <a:p>
             <a:pPr lvl="4"/>
             <a:r>
-              <a:rPr lang="en-US" smtClean="0"/>
+              <a:rPr lang="en-US"/>
               <a:t>Fifth level</a:t>
             </a:r>
             <a:endParaRPr lang="en-US" dirty="0"/>
@@ -1203,35 +1206,35 @@
           <a:p>
             <a:pPr lvl="0"/>
             <a:r>
-              <a:rPr lang="en-US" smtClean="0"/>
+              <a:rPr lang="en-US"/>
               <a:t>Click to edit Master text styles</a:t>
             </a:r>
           </a:p>
           <a:p>
             <a:pPr lvl="1"/>
             <a:r>
-              <a:rPr lang="en-US" smtClean="0"/>
+              <a:rPr lang="en-US"/>
               <a:t>Second level</a:t>
             </a:r>
           </a:p>
           <a:p>
             <a:pPr lvl="2"/>
             <a:r>
-              <a:rPr lang="en-US" smtClean="0"/>
+              <a:rPr lang="en-US"/>
               <a:t>Third level</a:t>
             </a:r>
           </a:p>
           <a:p>
             <a:pPr lvl="3"/>
             <a:r>
-              <a:rPr lang="en-US" smtClean="0"/>
+              <a:rPr lang="en-US"/>
               <a:t>Fourth level</a:t>
             </a:r>
           </a:p>
           <a:p>
             <a:pPr lvl="4"/>
             <a:r>
-              <a:rPr lang="en-US" smtClean="0"/>
+              <a:rPr lang="en-US"/>
               <a:t>Fifth level</a:t>
             </a:r>
             <a:endParaRPr lang="en-US" dirty="0"/>
@@ -1255,7 +1258,7 @@
           <a:p>
             <a:fld id="{FCFD000D-92E6-4567-9488-02161D747F95}" type="datetimeFigureOut">
               <a:rPr lang="en-US" smtClean="0"/>
-              <a:t>6/21/2015</a:t>
+              <a:t>8/11/17</a:t>
             </a:fld>
             <a:endParaRPr lang="en-US"/>
           </a:p>
@@ -1354,7 +1357,7 @@
           <a:lstStyle/>
           <a:p>
             <a:r>
-              <a:rPr lang="en-US" smtClean="0"/>
+              <a:rPr lang="en-US"/>
               <a:t>Click to edit Master title style</a:t>
             </a:r>
             <a:endParaRPr lang="en-US" dirty="0"/>
@@ -1420,7 +1423,7 @@
           <a:p>
             <a:pPr lvl="0"/>
             <a:r>
-              <a:rPr lang="en-US" smtClean="0"/>
+              <a:rPr lang="en-US"/>
               <a:t>Click to edit Master text styles</a:t>
             </a:r>
           </a:p>
@@ -1448,35 +1451,35 @@
           <a:p>
             <a:pPr lvl="0"/>
             <a:r>
-              <a:rPr lang="en-US" smtClean="0"/>
+              <a:rPr lang="en-US"/>
               <a:t>Click to edit Master text styles</a:t>
             </a:r>
           </a:p>
           <a:p>
             <a:pPr lvl="1"/>
             <a:r>
-              <a:rPr lang="en-US" smtClean="0"/>
+              <a:rPr lang="en-US"/>
               <a:t>Second level</a:t>
             </a:r>
           </a:p>
           <a:p>
             <a:pPr lvl="2"/>
             <a:r>
-              <a:rPr lang="en-US" smtClean="0"/>
+              <a:rPr lang="en-US"/>
               <a:t>Third level</a:t>
             </a:r>
           </a:p>
           <a:p>
             <a:pPr lvl="3"/>
             <a:r>
-              <a:rPr lang="en-US" smtClean="0"/>
+              <a:rPr lang="en-US"/>
               <a:t>Fourth level</a:t>
             </a:r>
           </a:p>
           <a:p>
             <a:pPr lvl="4"/>
             <a:r>
-              <a:rPr lang="en-US" smtClean="0"/>
+              <a:rPr lang="en-US"/>
               <a:t>Fifth level</a:t>
             </a:r>
             <a:endParaRPr lang="en-US" dirty="0"/>
@@ -1542,7 +1545,7 @@
           <a:p>
             <a:pPr lvl="0"/>
             <a:r>
-              <a:rPr lang="en-US" smtClean="0"/>
+              <a:rPr lang="en-US"/>
               <a:t>Click to edit Master text styles</a:t>
             </a:r>
           </a:p>
@@ -1570,35 +1573,35 @@
           <a:p>
             <a:pPr lvl="0"/>
             <a:r>
-              <a:rPr lang="en-US" smtClean="0"/>
+              <a:rPr lang="en-US"/>
               <a:t>Click to edit Master text styles</a:t>
             </a:r>
           </a:p>
           <a:p>
             <a:pPr lvl="1"/>
             <a:r>
-              <a:rPr lang="en-US" smtClean="0"/>
+              <a:rPr lang="en-US"/>
               <a:t>Second level</a:t>
             </a:r>
           </a:p>
           <a:p>
             <a:pPr lvl="2"/>
             <a:r>
-              <a:rPr lang="en-US" smtClean="0"/>
+              <a:rPr lang="en-US"/>
               <a:t>Third level</a:t>
             </a:r>
           </a:p>
           <a:p>
             <a:pPr lvl="3"/>
             <a:r>
-              <a:rPr lang="en-US" smtClean="0"/>
+              <a:rPr lang="en-US"/>
               <a:t>Fourth level</a:t>
             </a:r>
           </a:p>
           <a:p>
             <a:pPr lvl="4"/>
             <a:r>
-              <a:rPr lang="en-US" smtClean="0"/>
+              <a:rPr lang="en-US"/>
               <a:t>Fifth level</a:t>
             </a:r>
             <a:endParaRPr lang="en-US" dirty="0"/>
@@ -1622,7 +1625,7 @@
           <a:p>
             <a:fld id="{FCFD000D-92E6-4567-9488-02161D747F95}" type="datetimeFigureOut">
               <a:rPr lang="en-US" smtClean="0"/>
-              <a:t>6/21/2015</a:t>
+              <a:t>8/11/17</a:t>
             </a:fld>
             <a:endParaRPr lang="en-US"/>
           </a:p>
@@ -1716,7 +1719,7 @@
           <a:lstStyle/>
           <a:p>
             <a:r>
-              <a:rPr lang="en-US" smtClean="0"/>
+              <a:rPr lang="en-US"/>
               <a:t>Click to edit Master title style</a:t>
             </a:r>
             <a:endParaRPr lang="en-US" dirty="0"/>
@@ -1740,7 +1743,7 @@
           <a:p>
             <a:fld id="{FCFD000D-92E6-4567-9488-02161D747F95}" type="datetimeFigureOut">
               <a:rPr lang="en-US" smtClean="0"/>
-              <a:t>6/21/2015</a:t>
+              <a:t>8/11/17</a:t>
             </a:fld>
             <a:endParaRPr lang="en-US"/>
           </a:p>
@@ -1835,7 +1838,7 @@
           <a:p>
             <a:fld id="{FCFD000D-92E6-4567-9488-02161D747F95}" type="datetimeFigureOut">
               <a:rPr lang="en-US" smtClean="0"/>
-              <a:t>6/21/2015</a:t>
+              <a:t>8/11/17</a:t>
             </a:fld>
             <a:endParaRPr lang="en-US"/>
           </a:p>
@@ -1938,7 +1941,7 @@
           </a:lstStyle>
           <a:p>
             <a:r>
-              <a:rPr lang="en-US" smtClean="0"/>
+              <a:rPr lang="en-US"/>
               <a:t>Click to edit Master title style</a:t>
             </a:r>
             <a:endParaRPr lang="en-US" dirty="0"/>
@@ -1995,35 +1998,35 @@
           <a:p>
             <a:pPr lvl="0"/>
             <a:r>
-              <a:rPr lang="en-US" smtClean="0"/>
+              <a:rPr lang="en-US"/>
               <a:t>Click to edit Master text styles</a:t>
             </a:r>
           </a:p>
           <a:p>
             <a:pPr lvl="1"/>
             <a:r>
-              <a:rPr lang="en-US" smtClean="0"/>
+              <a:rPr lang="en-US"/>
               <a:t>Second level</a:t>
             </a:r>
           </a:p>
           <a:p>
             <a:pPr lvl="2"/>
             <a:r>
-              <a:rPr lang="en-US" smtClean="0"/>
+              <a:rPr lang="en-US"/>
               <a:t>Third level</a:t>
             </a:r>
           </a:p>
           <a:p>
             <a:pPr lvl="3"/>
             <a:r>
-              <a:rPr lang="en-US" smtClean="0"/>
+              <a:rPr lang="en-US"/>
               <a:t>Fourth level</a:t>
             </a:r>
           </a:p>
           <a:p>
             <a:pPr lvl="4"/>
             <a:r>
-              <a:rPr lang="en-US" smtClean="0"/>
+              <a:rPr lang="en-US"/>
               <a:t>Fifth level</a:t>
             </a:r>
             <a:endParaRPr lang="en-US" dirty="0"/>
@@ -2089,7 +2092,7 @@
           <a:p>
             <a:pPr lvl="0"/>
             <a:r>
-              <a:rPr lang="en-US" smtClean="0"/>
+              <a:rPr lang="en-US"/>
               <a:t>Click to edit Master text styles</a:t>
             </a:r>
           </a:p>
@@ -2112,7 +2115,7 @@
           <a:p>
             <a:fld id="{FCFD000D-92E6-4567-9488-02161D747F95}" type="datetimeFigureOut">
               <a:rPr lang="en-US" smtClean="0"/>
-              <a:t>6/21/2015</a:t>
+              <a:t>8/11/17</a:t>
             </a:fld>
             <a:endParaRPr lang="en-US"/>
           </a:p>
@@ -2215,7 +2218,7 @@
           </a:lstStyle>
           <a:p>
             <a:r>
-              <a:rPr lang="en-US" smtClean="0"/>
+              <a:rPr lang="en-US"/>
               <a:t>Click to edit Master title style</a:t>
             </a:r>
             <a:endParaRPr lang="en-US" dirty="0"/>
@@ -2280,7 +2283,7 @@
           </a:lstStyle>
           <a:p>
             <a:r>
-              <a:rPr lang="en-US" smtClean="0"/>
+              <a:rPr lang="en-US"/>
               <a:t>Click icon to add picture</a:t>
             </a:r>
             <a:endParaRPr lang="en-US" dirty="0"/>
@@ -2346,7 +2349,7 @@
           <a:p>
             <a:pPr lvl="0"/>
             <a:r>
-              <a:rPr lang="en-US" smtClean="0"/>
+              <a:rPr lang="en-US"/>
               <a:t>Click to edit Master text styles</a:t>
             </a:r>
           </a:p>
@@ -2369,7 +2372,7 @@
           <a:p>
             <a:fld id="{FCFD000D-92E6-4567-9488-02161D747F95}" type="datetimeFigureOut">
               <a:rPr lang="en-US" smtClean="0"/>
-              <a:t>6/21/2015</a:t>
+              <a:t>8/11/17</a:t>
             </a:fld>
             <a:endParaRPr lang="en-US"/>
           </a:p>
@@ -2478,7 +2481,7 @@
           <a:lstStyle/>
           <a:p>
             <a:r>
-              <a:rPr lang="en-US" smtClean="0"/>
+              <a:rPr lang="en-US"/>
               <a:t>Click to edit Master title style</a:t>
             </a:r>
             <a:endParaRPr lang="en-US" dirty="0"/>
@@ -2512,35 +2515,35 @@
           <a:p>
             <a:pPr lvl="0"/>
             <a:r>
-              <a:rPr lang="en-US" smtClean="0"/>
+              <a:rPr lang="en-US"/>
               <a:t>Click to edit Master text styles</a:t>
             </a:r>
           </a:p>
           <a:p>
             <a:pPr lvl="1"/>
             <a:r>
-              <a:rPr lang="en-US" smtClean="0"/>
+              <a:rPr lang="en-US"/>
               <a:t>Second level</a:t>
             </a:r>
           </a:p>
           <a:p>
             <a:pPr lvl="2"/>
             <a:r>
-              <a:rPr lang="en-US" smtClean="0"/>
+              <a:rPr lang="en-US"/>
               <a:t>Third level</a:t>
             </a:r>
           </a:p>
           <a:p>
             <a:pPr lvl="3"/>
             <a:r>
-              <a:rPr lang="en-US" smtClean="0"/>
+              <a:rPr lang="en-US"/>
               <a:t>Fourth level</a:t>
             </a:r>
           </a:p>
           <a:p>
             <a:pPr lvl="4"/>
             <a:r>
-              <a:rPr lang="en-US" smtClean="0"/>
+              <a:rPr lang="en-US"/>
               <a:t>Fifth level</a:t>
             </a:r>
             <a:endParaRPr lang="en-US" dirty="0"/>
@@ -2582,7 +2585,7 @@
           <a:p>
             <a:fld id="{FCFD000D-92E6-4567-9488-02161D747F95}" type="datetimeFigureOut">
               <a:rPr lang="en-US" smtClean="0"/>
-              <a:t>6/21/2015</a:t>
+              <a:t>8/11/17</a:t>
             </a:fld>
             <a:endParaRPr lang="en-US"/>
           </a:p>
@@ -3010,10 +3013,9 @@
           <a:lstStyle/>
           <a:p>
             <a:r>
-              <a:rPr lang="en-US" dirty="0" smtClean="0"/>
+              <a:rPr lang="en-US" dirty="0"/>
               <a:t>Overview Design</a:t>
             </a:r>
-            <a:endParaRPr lang="en-US" dirty="0"/>
           </a:p>
         </p:txBody>
       </p:sp>
@@ -4058,10 +4060,9 @@
             <a:lstStyle/>
             <a:p>
               <a:r>
-                <a:rPr lang="en-US" sz="1013" dirty="0" smtClean="0"/>
+                <a:rPr lang="en-US" sz="1013" dirty="0"/>
                 <a:t>8) End Scan</a:t>
               </a:r>
-              <a:endParaRPr lang="en-US" sz="1013" dirty="0"/>
             </a:p>
           </p:txBody>
         </p:sp>
@@ -4229,18 +4230,17 @@
           <a:lstStyle/>
           <a:p>
             <a:r>
-              <a:rPr lang="en-US" dirty="0" smtClean="0"/>
+              <a:rPr lang="en-US" dirty="0"/>
               <a:t>Communication between </a:t>
             </a:r>
             <a:r>
-              <a:rPr lang="en-US" dirty="0" err="1" smtClean="0"/>
+              <a:rPr lang="en-US" dirty="0" err="1"/>
               <a:t>AccessMyVNA</a:t>
             </a:r>
             <a:r>
-              <a:rPr lang="en-US" dirty="0" smtClean="0"/>
+              <a:rPr lang="en-US" dirty="0"/>
               <a:t> and QCM MATLAB</a:t>
             </a:r>
-            <a:endParaRPr lang="en-US" dirty="0"/>
           </a:p>
         </p:txBody>
       </p:sp>
@@ -4281,7 +4281,7 @@
           <a:p>
             <a:pPr algn="ctr"/>
             <a:r>
-              <a:rPr lang="en-US" dirty="0" err="1" smtClean="0">
+              <a:rPr lang="en-US" dirty="0" err="1">
                 <a:solidFill>
                   <a:schemeClr val="tx1"/>
                 </a:solidFill>
@@ -4333,18 +4333,13 @@
           <a:p>
             <a:pPr algn="ctr"/>
             <a:r>
-              <a:rPr lang="en-US" dirty="0" smtClean="0">
+              <a:rPr lang="en-US" dirty="0">
                 <a:solidFill>
                   <a:schemeClr val="tx1"/>
                 </a:solidFill>
               </a:rPr>
               <a:t>QCM MATLAB Program</a:t>
             </a:r>
-            <a:endParaRPr lang="en-US" dirty="0">
-              <a:solidFill>
-                <a:schemeClr val="tx1"/>
-              </a:solidFill>
-            </a:endParaRPr>
           </a:p>
         </p:txBody>
       </p:sp>
@@ -4492,44 +4487,39 @@
           <a:lstStyle/>
           <a:p>
             <a:r>
-              <a:rPr lang="en-US" dirty="0" smtClean="0"/>
+              <a:rPr lang="en-US" dirty="0"/>
               <a:t>myVNAdata01.csv</a:t>
             </a:r>
           </a:p>
           <a:p>
             <a:r>
-              <a:rPr lang="en-US" dirty="0" smtClean="0"/>
+              <a:rPr lang="en-US" dirty="0"/>
               <a:t>myVNAdata03.csv</a:t>
             </a:r>
-            <a:endParaRPr lang="en-US" dirty="0"/>
-          </a:p>
-          <a:p>
-            <a:r>
-              <a:rPr lang="en-US" dirty="0" smtClean="0"/>
+          </a:p>
+          <a:p>
+            <a:r>
+              <a:rPr lang="en-US" dirty="0"/>
               <a:t>myVNAdata05.csv</a:t>
             </a:r>
-            <a:endParaRPr lang="en-US" dirty="0"/>
-          </a:p>
-          <a:p>
-            <a:r>
-              <a:rPr lang="en-US" dirty="0" smtClean="0"/>
+          </a:p>
+          <a:p>
+            <a:r>
+              <a:rPr lang="en-US" dirty="0"/>
               <a:t>myVNAdata07.csv</a:t>
             </a:r>
-            <a:endParaRPr lang="en-US" dirty="0"/>
-          </a:p>
-          <a:p>
-            <a:r>
-              <a:rPr lang="en-US" dirty="0" smtClean="0"/>
+          </a:p>
+          <a:p>
+            <a:r>
+              <a:rPr lang="en-US" dirty="0"/>
               <a:t>myVNAdata09.csv</a:t>
             </a:r>
-            <a:endParaRPr lang="en-US" dirty="0"/>
-          </a:p>
-          <a:p>
-            <a:r>
-              <a:rPr lang="en-US" dirty="0" smtClean="0"/>
+          </a:p>
+          <a:p>
+            <a:r>
+              <a:rPr lang="en-US" dirty="0"/>
               <a:t>myVNAdata11.csv</a:t>
             </a:r>
-            <a:endParaRPr lang="en-US" dirty="0"/>
           </a:p>
         </p:txBody>
       </p:sp>
@@ -4563,49 +4553,37 @@
           <a:lstStyle/>
           <a:p>
             <a:r>
-              <a:rPr lang="en-US" dirty="0" smtClean="0"/>
+              <a:rPr lang="en-US" dirty="0"/>
               <a:t>settings01.txt</a:t>
             </a:r>
           </a:p>
           <a:p>
             <a:r>
-              <a:rPr lang="en-US" dirty="0" smtClean="0"/>
+              <a:rPr lang="en-US" dirty="0"/>
               <a:t>settings03.txt</a:t>
             </a:r>
           </a:p>
           <a:p>
             <a:r>
               <a:rPr lang="en-US" dirty="0"/>
-              <a:t>s</a:t>
-            </a:r>
-            <a:r>
-              <a:rPr lang="en-US" dirty="0" smtClean="0"/>
-              <a:t>ettings05.txt</a:t>
+              <a:t>settings05.txt</a:t>
             </a:r>
           </a:p>
           <a:p>
             <a:r>
               <a:rPr lang="en-US" dirty="0"/>
-              <a:t>s</a:t>
-            </a:r>
-            <a:r>
-              <a:rPr lang="en-US" dirty="0" smtClean="0"/>
-              <a:t>ettings07.txt</a:t>
+              <a:t>settings07.txt</a:t>
             </a:r>
           </a:p>
           <a:p>
             <a:r>
               <a:rPr lang="en-US" dirty="0"/>
-              <a:t>s</a:t>
-            </a:r>
-            <a:r>
-              <a:rPr lang="en-US" dirty="0" smtClean="0"/>
-              <a:t>ettings09.txt</a:t>
-            </a:r>
-          </a:p>
-          <a:p>
-            <a:r>
-              <a:rPr lang="en-US" dirty="0" smtClean="0"/>
+              <a:t>settings09.txt</a:t>
+            </a:r>
+          </a:p>
+          <a:p>
+            <a:r>
+              <a:rPr lang="en-US" dirty="0"/>
               <a:t>settings11.txt</a:t>
             </a:r>
           </a:p>
@@ -4641,10 +4619,9 @@
           <a:lstStyle/>
           <a:p>
             <a:r>
-              <a:rPr lang="en-US" dirty="0" smtClean="0"/>
+              <a:rPr lang="en-US" dirty="0"/>
               <a:t>settings.txt</a:t>
             </a:r>
-            <a:endParaRPr lang="en-US" dirty="0"/>
           </a:p>
         </p:txBody>
       </p:sp>
@@ -4671,10 +4648,9 @@
           <a:lstStyle/>
           <a:p>
             <a:r>
-              <a:rPr lang="en-US" dirty="0" smtClean="0"/>
+              <a:rPr lang="en-US" dirty="0"/>
               <a:t>write</a:t>
             </a:r>
-            <a:endParaRPr lang="en-US" dirty="0"/>
           </a:p>
         </p:txBody>
       </p:sp>
@@ -4701,10 +4677,9 @@
           <a:lstStyle/>
           <a:p>
             <a:r>
-              <a:rPr lang="en-US" dirty="0" smtClean="0"/>
+              <a:rPr lang="en-US" dirty="0"/>
               <a:t>write</a:t>
             </a:r>
-            <a:endParaRPr lang="en-US" dirty="0"/>
           </a:p>
         </p:txBody>
       </p:sp>
@@ -4731,10 +4706,9 @@
           <a:lstStyle/>
           <a:p>
             <a:r>
-              <a:rPr lang="en-US" dirty="0" smtClean="0"/>
+              <a:rPr lang="en-US" dirty="0"/>
               <a:t>read</a:t>
             </a:r>
-            <a:endParaRPr lang="en-US" dirty="0"/>
           </a:p>
         </p:txBody>
       </p:sp>
@@ -4761,10 +4735,9 @@
           <a:lstStyle/>
           <a:p>
             <a:r>
-              <a:rPr lang="en-US" dirty="0" smtClean="0"/>
+              <a:rPr lang="en-US" dirty="0"/>
               <a:t>read</a:t>
             </a:r>
-            <a:endParaRPr lang="en-US" dirty="0"/>
           </a:p>
         </p:txBody>
       </p:sp>
@@ -4791,10 +4764,9 @@
           <a:lstStyle/>
           <a:p>
             <a:r>
-              <a:rPr lang="en-US" dirty="0" smtClean="0"/>
+              <a:rPr lang="en-US" dirty="0"/>
               <a:t>write</a:t>
             </a:r>
-            <a:endParaRPr lang="en-US" dirty="0"/>
           </a:p>
         </p:txBody>
       </p:sp>
@@ -4821,10 +4793,9 @@
           <a:lstStyle/>
           <a:p>
             <a:r>
-              <a:rPr lang="en-US" dirty="0" smtClean="0"/>
+              <a:rPr lang="en-US" dirty="0"/>
               <a:t>read</a:t>
             </a:r>
-            <a:endParaRPr lang="en-US" dirty="0"/>
           </a:p>
         </p:txBody>
       </p:sp>
@@ -5327,18 +5298,13 @@
             <a:lstStyle/>
             <a:p>
               <a:r>
-                <a:rPr lang="en-US" dirty="0" smtClean="0">
+                <a:rPr lang="en-US" dirty="0">
                   <a:solidFill>
                     <a:srgbClr val="FF0000"/>
                   </a:solidFill>
                 </a:rPr>
                 <a:t>Program version</a:t>
               </a:r>
-              <a:endParaRPr lang="en-US" dirty="0">
-                <a:solidFill>
-                  <a:srgbClr val="FF0000"/>
-                </a:solidFill>
-              </a:endParaRPr>
             </a:p>
           </p:txBody>
         </p:sp>
@@ -5401,18 +5367,13 @@
             <a:lstStyle/>
             <a:p>
               <a:r>
-                <a:rPr lang="en-US" dirty="0" smtClean="0">
+                <a:rPr lang="en-US" dirty="0">
                   <a:solidFill>
                     <a:srgbClr val="FF0000"/>
                   </a:solidFill>
                 </a:rPr>
                 <a:t>Figure toolbar</a:t>
               </a:r>
-              <a:endParaRPr lang="en-US" dirty="0">
-                <a:solidFill>
-                  <a:srgbClr val="FF0000"/>
-                </a:solidFill>
-              </a:endParaRPr>
             </a:p>
           </p:txBody>
         </p:sp>
@@ -5511,18 +5472,13 @@
             <a:lstStyle/>
             <a:p>
               <a:r>
-                <a:rPr lang="en-US" dirty="0" smtClean="0">
+                <a:rPr lang="en-US" dirty="0">
                   <a:solidFill>
                     <a:srgbClr val="FF0000"/>
                   </a:solidFill>
                 </a:rPr>
                 <a:t>GUI toolbar</a:t>
               </a:r>
-              <a:endParaRPr lang="en-US" dirty="0">
-                <a:solidFill>
-                  <a:srgbClr val="FF0000"/>
-                </a:solidFill>
-              </a:endParaRPr>
             </a:p>
           </p:txBody>
         </p:sp>
@@ -5549,18 +5505,13 @@
             <a:lstStyle/>
             <a:p>
               <a:r>
-                <a:rPr lang="en-US" dirty="0" smtClean="0">
+                <a:rPr lang="en-US" dirty="0">
                   <a:solidFill>
                     <a:srgbClr val="FF0000"/>
                   </a:solidFill>
                 </a:rPr>
                 <a:t>Status toolbar</a:t>
               </a:r>
-              <a:endParaRPr lang="en-US" dirty="0">
-                <a:solidFill>
-                  <a:srgbClr val="FF0000"/>
-                </a:solidFill>
-              </a:endParaRPr>
             </a:p>
           </p:txBody>
         </p:sp>
@@ -5628,18 +5579,13 @@
             <a:p>
               <a:pPr algn="ctr"/>
               <a:r>
-                <a:rPr lang="en-US" dirty="0" smtClean="0">
+                <a:rPr lang="en-US" dirty="0">
                   <a:solidFill>
                     <a:srgbClr val="FF0000"/>
                   </a:solidFill>
                 </a:rPr>
                 <a:t>Settings panel</a:t>
               </a:r>
-              <a:endParaRPr lang="en-US" dirty="0">
-                <a:solidFill>
-                  <a:srgbClr val="FF0000"/>
-                </a:solidFill>
-              </a:endParaRPr>
             </a:p>
           </p:txBody>
         </p:sp>
@@ -5671,18 +5617,13 @@
             <a:p>
               <a:pPr algn="ctr"/>
               <a:r>
-                <a:rPr lang="en-US" dirty="0" smtClean="0">
+                <a:rPr lang="en-US" dirty="0">
                   <a:solidFill>
                     <a:srgbClr val="FF0000"/>
                   </a:solidFill>
                 </a:rPr>
                 <a:t>Raw spectra panel</a:t>
               </a:r>
-              <a:endParaRPr lang="en-US" dirty="0">
-                <a:solidFill>
-                  <a:srgbClr val="FF0000"/>
-                </a:solidFill>
-              </a:endParaRPr>
             </a:p>
           </p:txBody>
         </p:sp>
@@ -5714,18 +5655,13 @@
             <a:p>
               <a:pPr algn="ctr"/>
               <a:r>
-                <a:rPr lang="en-US" dirty="0" smtClean="0">
+                <a:rPr lang="en-US" dirty="0">
                   <a:solidFill>
                     <a:srgbClr val="FF0000"/>
                   </a:solidFill>
                 </a:rPr>
                 <a:t>Main plot panel</a:t>
               </a:r>
-              <a:endParaRPr lang="en-US" dirty="0">
-                <a:solidFill>
-                  <a:srgbClr val="FF0000"/>
-                </a:solidFill>
-              </a:endParaRPr>
             </a:p>
           </p:txBody>
         </p:sp>
@@ -5760,1260 +5696,1170 @@
           <a:chExt cx="0" cy="0"/>
         </a:xfrm>
       </p:grpSpPr>
-      <p:grpSp>
-        <p:nvGrpSpPr>
-          <p:cNvPr id="43" name="Group 42"/>
-          <p:cNvGrpSpPr/>
+      <p:pic>
+        <p:nvPicPr>
+          <p:cNvPr id="4" name="Picture 3"/>
+          <p:cNvPicPr>
+            <a:picLocks noChangeAspect="1"/>
+          </p:cNvPicPr>
           <p:nvPr/>
-        </p:nvGrpSpPr>
-        <p:grpSpPr>
+        </p:nvPicPr>
+        <p:blipFill>
+          <a:blip r:embed="rId2"/>
+          <a:stretch>
+            <a:fillRect/>
+          </a:stretch>
+        </p:blipFill>
+        <p:spPr>
           <a:xfrm>
-            <a:off x="1300005" y="304586"/>
-            <a:ext cx="4443760" cy="1612749"/>
-            <a:chOff x="1300005" y="304586"/>
-            <a:chExt cx="4443760" cy="1612749"/>
-          </a:xfrm>
-        </p:grpSpPr>
-        <p:pic>
-          <p:nvPicPr>
-            <p:cNvPr id="4" name="Picture 3"/>
-            <p:cNvPicPr>
-              <a:picLocks noChangeAspect="1"/>
-            </p:cNvPicPr>
-            <p:nvPr/>
-          </p:nvPicPr>
-          <p:blipFill>
-            <a:blip r:embed="rId2"/>
-            <a:stretch>
-              <a:fillRect/>
-            </a:stretch>
-          </p:blipFill>
-          <p:spPr>
-            <a:xfrm>
-              <a:off x="1333690" y="1040511"/>
-              <a:ext cx="4410075" cy="247650"/>
-            </a:xfrm>
-            <a:prstGeom prst="rect">
-              <a:avLst/>
-            </a:prstGeom>
-          </p:spPr>
-        </p:pic>
-        <p:cxnSp>
-          <p:nvCxnSpPr>
-            <p:cNvPr id="5" name="Straight Arrow Connector 4"/>
-            <p:cNvCxnSpPr/>
-            <p:nvPr/>
-          </p:nvCxnSpPr>
-          <p:spPr>
-            <a:xfrm flipV="1">
-              <a:off x="1450848" y="1239394"/>
-              <a:ext cx="0" cy="363854"/>
-            </a:xfrm>
-            <a:prstGeom prst="straightConnector1">
-              <a:avLst/>
-            </a:prstGeom>
-            <a:ln>
-              <a:solidFill>
-                <a:srgbClr val="FF0000"/>
-              </a:solidFill>
-              <a:tailEnd type="triangle"/>
-            </a:ln>
-          </p:spPr>
-          <p:style>
-            <a:lnRef idx="3">
-              <a:schemeClr val="dk1"/>
-            </a:lnRef>
-            <a:fillRef idx="0">
-              <a:schemeClr val="dk1"/>
-            </a:fillRef>
-            <a:effectRef idx="2">
-              <a:schemeClr val="dk1"/>
-            </a:effectRef>
-            <a:fontRef idx="minor">
-              <a:schemeClr val="tx1"/>
-            </a:fontRef>
-          </p:style>
-        </p:cxnSp>
-        <p:cxnSp>
-          <p:nvCxnSpPr>
-            <p:cNvPr id="8" name="Straight Arrow Connector 7"/>
-            <p:cNvCxnSpPr/>
-            <p:nvPr/>
-          </p:nvCxnSpPr>
-          <p:spPr>
-            <a:xfrm flipV="1">
-              <a:off x="1883664" y="1239394"/>
-              <a:ext cx="0" cy="363854"/>
-            </a:xfrm>
-            <a:prstGeom prst="straightConnector1">
-              <a:avLst/>
-            </a:prstGeom>
-            <a:ln>
-              <a:solidFill>
-                <a:srgbClr val="FF0000"/>
-              </a:solidFill>
-              <a:tailEnd type="triangle"/>
-            </a:ln>
-          </p:spPr>
-          <p:style>
-            <a:lnRef idx="3">
-              <a:schemeClr val="dk1"/>
-            </a:lnRef>
-            <a:fillRef idx="0">
-              <a:schemeClr val="dk1"/>
-            </a:fillRef>
-            <a:effectRef idx="2">
-              <a:schemeClr val="dk1"/>
-            </a:effectRef>
-            <a:fontRef idx="minor">
-              <a:schemeClr val="tx1"/>
-            </a:fontRef>
-          </p:style>
-        </p:cxnSp>
-        <p:cxnSp>
-          <p:nvCxnSpPr>
-            <p:cNvPr id="9" name="Straight Arrow Connector 8"/>
-            <p:cNvCxnSpPr/>
-            <p:nvPr/>
-          </p:nvCxnSpPr>
-          <p:spPr>
-            <a:xfrm flipV="1">
-              <a:off x="2395728" y="1240347"/>
-              <a:ext cx="0" cy="363854"/>
-            </a:xfrm>
-            <a:prstGeom prst="straightConnector1">
-              <a:avLst/>
-            </a:prstGeom>
-            <a:ln>
-              <a:solidFill>
-                <a:srgbClr val="FF0000"/>
-              </a:solidFill>
-              <a:tailEnd type="triangle"/>
-            </a:ln>
-          </p:spPr>
-          <p:style>
-            <a:lnRef idx="3">
-              <a:schemeClr val="dk1"/>
-            </a:lnRef>
-            <a:fillRef idx="0">
-              <a:schemeClr val="dk1"/>
-            </a:fillRef>
-            <a:effectRef idx="2">
-              <a:schemeClr val="dk1"/>
-            </a:effectRef>
-            <a:fontRef idx="minor">
-              <a:schemeClr val="tx1"/>
-            </a:fontRef>
-          </p:style>
-        </p:cxnSp>
-        <p:cxnSp>
-          <p:nvCxnSpPr>
-            <p:cNvPr id="10" name="Straight Arrow Connector 9"/>
-            <p:cNvCxnSpPr/>
-            <p:nvPr/>
-          </p:nvCxnSpPr>
-          <p:spPr>
-            <a:xfrm flipV="1">
-              <a:off x="2926080" y="1239394"/>
-              <a:ext cx="0" cy="363854"/>
-            </a:xfrm>
-            <a:prstGeom prst="straightConnector1">
-              <a:avLst/>
-            </a:prstGeom>
-            <a:ln>
-              <a:solidFill>
-                <a:srgbClr val="FF0000"/>
-              </a:solidFill>
-              <a:tailEnd type="triangle"/>
-            </a:ln>
-          </p:spPr>
-          <p:style>
-            <a:lnRef idx="3">
-              <a:schemeClr val="dk1"/>
-            </a:lnRef>
-            <a:fillRef idx="0">
-              <a:schemeClr val="dk1"/>
-            </a:fillRef>
-            <a:effectRef idx="2">
-              <a:schemeClr val="dk1"/>
-            </a:effectRef>
-            <a:fontRef idx="minor">
-              <a:schemeClr val="tx1"/>
-            </a:fontRef>
-          </p:style>
-        </p:cxnSp>
-        <p:cxnSp>
-          <p:nvCxnSpPr>
-            <p:cNvPr id="11" name="Straight Arrow Connector 10"/>
-            <p:cNvCxnSpPr/>
-            <p:nvPr/>
-          </p:nvCxnSpPr>
-          <p:spPr>
-            <a:xfrm flipV="1">
-              <a:off x="3432048" y="1239394"/>
-              <a:ext cx="0" cy="363854"/>
-            </a:xfrm>
-            <a:prstGeom prst="straightConnector1">
-              <a:avLst/>
-            </a:prstGeom>
-            <a:ln>
-              <a:solidFill>
-                <a:srgbClr val="FF0000"/>
-              </a:solidFill>
-              <a:tailEnd type="triangle"/>
-            </a:ln>
-          </p:spPr>
-          <p:style>
-            <a:lnRef idx="3">
-              <a:schemeClr val="dk1"/>
-            </a:lnRef>
-            <a:fillRef idx="0">
-              <a:schemeClr val="dk1"/>
-            </a:fillRef>
-            <a:effectRef idx="2">
-              <a:schemeClr val="dk1"/>
-            </a:effectRef>
-            <a:fontRef idx="minor">
-              <a:schemeClr val="tx1"/>
-            </a:fontRef>
-          </p:style>
-        </p:cxnSp>
-        <p:cxnSp>
-          <p:nvCxnSpPr>
-            <p:cNvPr id="12" name="Straight Arrow Connector 11"/>
-            <p:cNvCxnSpPr/>
-            <p:nvPr/>
-          </p:nvCxnSpPr>
-          <p:spPr>
-            <a:xfrm flipH="1" flipV="1">
-              <a:off x="3950208" y="1239394"/>
-              <a:ext cx="85344" cy="363854"/>
-            </a:xfrm>
-            <a:prstGeom prst="straightConnector1">
-              <a:avLst/>
-            </a:prstGeom>
-            <a:ln>
-              <a:solidFill>
-                <a:srgbClr val="FF0000"/>
-              </a:solidFill>
-              <a:tailEnd type="triangle"/>
-            </a:ln>
-          </p:spPr>
-          <p:style>
-            <a:lnRef idx="3">
-              <a:schemeClr val="dk1"/>
-            </a:lnRef>
-            <a:fillRef idx="0">
-              <a:schemeClr val="dk1"/>
-            </a:fillRef>
-            <a:effectRef idx="2">
-              <a:schemeClr val="dk1"/>
-            </a:effectRef>
-            <a:fontRef idx="minor">
-              <a:schemeClr val="tx1"/>
-            </a:fontRef>
-          </p:style>
-        </p:cxnSp>
-        <p:cxnSp>
-          <p:nvCxnSpPr>
-            <p:cNvPr id="13" name="Straight Arrow Connector 12"/>
-            <p:cNvCxnSpPr/>
-            <p:nvPr/>
-          </p:nvCxnSpPr>
-          <p:spPr>
-            <a:xfrm flipV="1">
-              <a:off x="4035552" y="1239394"/>
-              <a:ext cx="128016" cy="363854"/>
-            </a:xfrm>
-            <a:prstGeom prst="straightConnector1">
-              <a:avLst/>
-            </a:prstGeom>
-            <a:ln>
-              <a:solidFill>
-                <a:srgbClr val="FF0000"/>
-              </a:solidFill>
-              <a:tailEnd type="triangle"/>
-            </a:ln>
-          </p:spPr>
-          <p:style>
-            <a:lnRef idx="3">
-              <a:schemeClr val="dk1"/>
-            </a:lnRef>
-            <a:fillRef idx="0">
-              <a:schemeClr val="dk1"/>
-            </a:fillRef>
-            <a:effectRef idx="2">
-              <a:schemeClr val="dk1"/>
-            </a:effectRef>
-            <a:fontRef idx="minor">
-              <a:schemeClr val="tx1"/>
-            </a:fontRef>
-          </p:style>
-        </p:cxnSp>
-        <p:cxnSp>
-          <p:nvCxnSpPr>
-            <p:cNvPr id="16" name="Straight Arrow Connector 15"/>
-            <p:cNvCxnSpPr/>
-            <p:nvPr/>
-          </p:nvCxnSpPr>
-          <p:spPr>
-            <a:xfrm flipV="1">
-              <a:off x="4669536" y="1239394"/>
-              <a:ext cx="0" cy="363854"/>
-            </a:xfrm>
-            <a:prstGeom prst="straightConnector1">
-              <a:avLst/>
-            </a:prstGeom>
-            <a:ln>
-              <a:solidFill>
-                <a:srgbClr val="FF0000"/>
-              </a:solidFill>
-              <a:tailEnd type="triangle"/>
-            </a:ln>
-          </p:spPr>
-          <p:style>
-            <a:lnRef idx="3">
-              <a:schemeClr val="dk1"/>
-            </a:lnRef>
-            <a:fillRef idx="0">
-              <a:schemeClr val="dk1"/>
-            </a:fillRef>
-            <a:effectRef idx="2">
-              <a:schemeClr val="dk1"/>
-            </a:effectRef>
-            <a:fontRef idx="minor">
-              <a:schemeClr val="tx1"/>
-            </a:fontRef>
-          </p:style>
-        </p:cxnSp>
-        <p:cxnSp>
-          <p:nvCxnSpPr>
-            <p:cNvPr id="17" name="Straight Arrow Connector 16"/>
-            <p:cNvCxnSpPr/>
-            <p:nvPr/>
-          </p:nvCxnSpPr>
-          <p:spPr>
-            <a:xfrm flipV="1">
-              <a:off x="5187696" y="1239394"/>
-              <a:ext cx="0" cy="363854"/>
-            </a:xfrm>
-            <a:prstGeom prst="straightConnector1">
-              <a:avLst/>
-            </a:prstGeom>
-            <a:ln>
-              <a:solidFill>
-                <a:srgbClr val="FF0000"/>
-              </a:solidFill>
-              <a:tailEnd type="triangle"/>
-            </a:ln>
-          </p:spPr>
-          <p:style>
-            <a:lnRef idx="3">
-              <a:schemeClr val="dk1"/>
-            </a:lnRef>
-            <a:fillRef idx="0">
-              <a:schemeClr val="dk1"/>
-            </a:fillRef>
-            <a:effectRef idx="2">
-              <a:schemeClr val="dk1"/>
-            </a:effectRef>
-            <a:fontRef idx="minor">
-              <a:schemeClr val="tx1"/>
-            </a:fontRef>
-          </p:style>
-        </p:cxnSp>
-        <p:cxnSp>
-          <p:nvCxnSpPr>
-            <p:cNvPr id="18" name="Straight Arrow Connector 17"/>
-            <p:cNvCxnSpPr/>
-            <p:nvPr/>
-          </p:nvCxnSpPr>
-          <p:spPr>
-            <a:xfrm>
-              <a:off x="1645920" y="676657"/>
-              <a:ext cx="0" cy="363854"/>
-            </a:xfrm>
-            <a:prstGeom prst="straightConnector1">
-              <a:avLst/>
-            </a:prstGeom>
-            <a:ln>
-              <a:solidFill>
-                <a:srgbClr val="FF0000"/>
-              </a:solidFill>
-              <a:tailEnd type="triangle"/>
-            </a:ln>
-          </p:spPr>
-          <p:style>
-            <a:lnRef idx="3">
-              <a:schemeClr val="dk1"/>
-            </a:lnRef>
-            <a:fillRef idx="0">
-              <a:schemeClr val="dk1"/>
-            </a:fillRef>
-            <a:effectRef idx="2">
-              <a:schemeClr val="dk1"/>
-            </a:effectRef>
-            <a:fontRef idx="minor">
-              <a:schemeClr val="tx1"/>
-            </a:fontRef>
-          </p:style>
-        </p:cxnSp>
-        <p:cxnSp>
-          <p:nvCxnSpPr>
-            <p:cNvPr id="19" name="Straight Arrow Connector 18"/>
-            <p:cNvCxnSpPr/>
-            <p:nvPr/>
-          </p:nvCxnSpPr>
-          <p:spPr>
-            <a:xfrm>
-              <a:off x="2121408" y="676657"/>
-              <a:ext cx="0" cy="363854"/>
-            </a:xfrm>
-            <a:prstGeom prst="straightConnector1">
-              <a:avLst/>
-            </a:prstGeom>
-            <a:ln>
-              <a:solidFill>
-                <a:srgbClr val="FF0000"/>
-              </a:solidFill>
-              <a:tailEnd type="triangle"/>
-            </a:ln>
-          </p:spPr>
-          <p:style>
-            <a:lnRef idx="3">
-              <a:schemeClr val="dk1"/>
-            </a:lnRef>
-            <a:fillRef idx="0">
-              <a:schemeClr val="dk1"/>
-            </a:fillRef>
-            <a:effectRef idx="2">
-              <a:schemeClr val="dk1"/>
-            </a:effectRef>
-            <a:fontRef idx="minor">
-              <a:schemeClr val="tx1"/>
-            </a:fontRef>
-          </p:style>
-        </p:cxnSp>
-        <p:cxnSp>
-          <p:nvCxnSpPr>
-            <p:cNvPr id="20" name="Straight Arrow Connector 19"/>
-            <p:cNvCxnSpPr/>
-            <p:nvPr/>
-          </p:nvCxnSpPr>
-          <p:spPr>
-            <a:xfrm>
-              <a:off x="2688336" y="676657"/>
-              <a:ext cx="0" cy="363854"/>
-            </a:xfrm>
-            <a:prstGeom prst="straightConnector1">
-              <a:avLst/>
-            </a:prstGeom>
-            <a:ln>
-              <a:solidFill>
-                <a:srgbClr val="FF0000"/>
-              </a:solidFill>
-              <a:tailEnd type="triangle"/>
-            </a:ln>
-          </p:spPr>
-          <p:style>
-            <a:lnRef idx="3">
-              <a:schemeClr val="dk1"/>
-            </a:lnRef>
-            <a:fillRef idx="0">
-              <a:schemeClr val="dk1"/>
-            </a:fillRef>
-            <a:effectRef idx="2">
-              <a:schemeClr val="dk1"/>
-            </a:effectRef>
-            <a:fontRef idx="minor">
-              <a:schemeClr val="tx1"/>
-            </a:fontRef>
-          </p:style>
-        </p:cxnSp>
-        <p:cxnSp>
-          <p:nvCxnSpPr>
-            <p:cNvPr id="21" name="Straight Arrow Connector 20"/>
-            <p:cNvCxnSpPr/>
-            <p:nvPr/>
-          </p:nvCxnSpPr>
-          <p:spPr>
-            <a:xfrm>
-              <a:off x="3151632" y="676657"/>
-              <a:ext cx="0" cy="363854"/>
-            </a:xfrm>
-            <a:prstGeom prst="straightConnector1">
-              <a:avLst/>
-            </a:prstGeom>
-            <a:ln>
-              <a:solidFill>
-                <a:srgbClr val="FF0000"/>
-              </a:solidFill>
-              <a:tailEnd type="triangle"/>
-            </a:ln>
-          </p:spPr>
-          <p:style>
-            <a:lnRef idx="3">
-              <a:schemeClr val="dk1"/>
-            </a:lnRef>
-            <a:fillRef idx="0">
-              <a:schemeClr val="dk1"/>
-            </a:fillRef>
-            <a:effectRef idx="2">
-              <a:schemeClr val="dk1"/>
-            </a:effectRef>
-            <a:fontRef idx="minor">
-              <a:schemeClr val="tx1"/>
-            </a:fontRef>
-          </p:style>
-        </p:cxnSp>
-        <p:cxnSp>
-          <p:nvCxnSpPr>
-            <p:cNvPr id="22" name="Straight Arrow Connector 21"/>
-            <p:cNvCxnSpPr/>
-            <p:nvPr/>
-          </p:nvCxnSpPr>
-          <p:spPr>
-            <a:xfrm>
-              <a:off x="3633216" y="676657"/>
-              <a:ext cx="0" cy="363854"/>
-            </a:xfrm>
-            <a:prstGeom prst="straightConnector1">
-              <a:avLst/>
-            </a:prstGeom>
-            <a:ln>
-              <a:solidFill>
-                <a:srgbClr val="FF0000"/>
-              </a:solidFill>
-              <a:tailEnd type="triangle"/>
-            </a:ln>
-          </p:spPr>
-          <p:style>
-            <a:lnRef idx="3">
-              <a:schemeClr val="dk1"/>
-            </a:lnRef>
-            <a:fillRef idx="0">
-              <a:schemeClr val="dk1"/>
-            </a:fillRef>
-            <a:effectRef idx="2">
-              <a:schemeClr val="dk1"/>
-            </a:effectRef>
-            <a:fontRef idx="minor">
-              <a:schemeClr val="tx1"/>
-            </a:fontRef>
-          </p:style>
-        </p:cxnSp>
-        <p:cxnSp>
-          <p:nvCxnSpPr>
-            <p:cNvPr id="23" name="Straight Arrow Connector 22"/>
-            <p:cNvCxnSpPr/>
-            <p:nvPr/>
-          </p:nvCxnSpPr>
-          <p:spPr>
-            <a:xfrm>
-              <a:off x="4376928" y="676657"/>
-              <a:ext cx="0" cy="363854"/>
-            </a:xfrm>
-            <a:prstGeom prst="straightConnector1">
-              <a:avLst/>
-            </a:prstGeom>
-            <a:ln>
-              <a:solidFill>
-                <a:srgbClr val="FF0000"/>
-              </a:solidFill>
-              <a:tailEnd type="triangle"/>
-            </a:ln>
-          </p:spPr>
-          <p:style>
-            <a:lnRef idx="3">
-              <a:schemeClr val="dk1"/>
-            </a:lnRef>
-            <a:fillRef idx="0">
-              <a:schemeClr val="dk1"/>
-            </a:fillRef>
-            <a:effectRef idx="2">
-              <a:schemeClr val="dk1"/>
-            </a:effectRef>
-            <a:fontRef idx="minor">
-              <a:schemeClr val="tx1"/>
-            </a:fontRef>
-          </p:style>
-        </p:cxnSp>
-        <p:cxnSp>
-          <p:nvCxnSpPr>
-            <p:cNvPr id="24" name="Straight Arrow Connector 23"/>
-            <p:cNvCxnSpPr/>
-            <p:nvPr/>
-          </p:nvCxnSpPr>
-          <p:spPr>
-            <a:xfrm>
-              <a:off x="4901184" y="676657"/>
-              <a:ext cx="0" cy="363854"/>
-            </a:xfrm>
-            <a:prstGeom prst="straightConnector1">
-              <a:avLst/>
-            </a:prstGeom>
-            <a:ln>
-              <a:solidFill>
-                <a:srgbClr val="FF0000"/>
-              </a:solidFill>
-              <a:tailEnd type="triangle"/>
-            </a:ln>
-          </p:spPr>
-          <p:style>
-            <a:lnRef idx="3">
-              <a:schemeClr val="dk1"/>
-            </a:lnRef>
-            <a:fillRef idx="0">
-              <a:schemeClr val="dk1"/>
-            </a:fillRef>
-            <a:effectRef idx="2">
-              <a:schemeClr val="dk1"/>
-            </a:effectRef>
-            <a:fontRef idx="minor">
-              <a:schemeClr val="tx1"/>
-            </a:fontRef>
-          </p:style>
-        </p:cxnSp>
-        <p:cxnSp>
-          <p:nvCxnSpPr>
-            <p:cNvPr id="25" name="Straight Arrow Connector 24"/>
-            <p:cNvCxnSpPr/>
-            <p:nvPr/>
-          </p:nvCxnSpPr>
-          <p:spPr>
-            <a:xfrm>
-              <a:off x="5407152" y="676657"/>
-              <a:ext cx="0" cy="363854"/>
-            </a:xfrm>
-            <a:prstGeom prst="straightConnector1">
-              <a:avLst/>
-            </a:prstGeom>
-            <a:ln>
-              <a:solidFill>
-                <a:srgbClr val="FF0000"/>
-              </a:solidFill>
-              <a:tailEnd type="triangle"/>
-            </a:ln>
-          </p:spPr>
-          <p:style>
-            <a:lnRef idx="3">
-              <a:schemeClr val="dk1"/>
-            </a:lnRef>
-            <a:fillRef idx="0">
-              <a:schemeClr val="dk1"/>
-            </a:fillRef>
-            <a:effectRef idx="2">
-              <a:schemeClr val="dk1"/>
-            </a:effectRef>
-            <a:fontRef idx="minor">
-              <a:schemeClr val="tx1"/>
-            </a:fontRef>
-          </p:style>
-        </p:cxnSp>
-        <p:sp>
-          <p:nvSpPr>
-            <p:cNvPr id="26" name="TextBox 25"/>
-            <p:cNvSpPr txBox="1"/>
-            <p:nvPr/>
-          </p:nvSpPr>
-          <p:spPr>
-            <a:xfrm>
-              <a:off x="2238788" y="1536191"/>
-              <a:ext cx="301686" cy="369332"/>
-            </a:xfrm>
-            <a:prstGeom prst="rect">
-              <a:avLst/>
-            </a:prstGeom>
-            <a:noFill/>
-          </p:spPr>
-          <p:txBody>
-            <a:bodyPr wrap="none" rtlCol="0">
-              <a:spAutoFit/>
-            </a:bodyPr>
-            <a:lstStyle/>
-            <a:p>
-              <a:r>
-                <a:rPr lang="en-US" dirty="0">
-                  <a:solidFill>
-                    <a:srgbClr val="FF0000"/>
-                  </a:solidFill>
-                </a:rPr>
-                <a:t>5</a:t>
-              </a:r>
-            </a:p>
-          </p:txBody>
-        </p:sp>
-        <p:sp>
-          <p:nvSpPr>
-            <p:cNvPr id="27" name="TextBox 26"/>
-            <p:cNvSpPr txBox="1"/>
-            <p:nvPr/>
-          </p:nvSpPr>
-          <p:spPr>
-            <a:xfrm>
-              <a:off x="1738917" y="1542288"/>
-              <a:ext cx="301686" cy="369332"/>
-            </a:xfrm>
-            <a:prstGeom prst="rect">
-              <a:avLst/>
-            </a:prstGeom>
-            <a:noFill/>
-          </p:spPr>
-          <p:txBody>
-            <a:bodyPr wrap="none" rtlCol="0">
-              <a:spAutoFit/>
-            </a:bodyPr>
-            <a:lstStyle/>
-            <a:p>
-              <a:r>
-                <a:rPr lang="en-US" dirty="0" smtClean="0">
-                  <a:solidFill>
-                    <a:srgbClr val="FF0000"/>
-                  </a:solidFill>
-                </a:rPr>
-                <a:t>3</a:t>
-              </a:r>
-              <a:endParaRPr lang="en-US" dirty="0">
+            <a:off x="1333690" y="1040511"/>
+            <a:ext cx="4410075" cy="247650"/>
+          </a:xfrm>
+          <a:prstGeom prst="rect">
+            <a:avLst/>
+          </a:prstGeom>
+        </p:spPr>
+      </p:pic>
+      <p:cxnSp>
+        <p:nvCxnSpPr>
+          <p:cNvPr id="5" name="Straight Arrow Connector 4"/>
+          <p:cNvCxnSpPr/>
+          <p:nvPr/>
+        </p:nvCxnSpPr>
+        <p:spPr>
+          <a:xfrm flipV="1">
+            <a:off x="1450848" y="1239394"/>
+            <a:ext cx="0" cy="363854"/>
+          </a:xfrm>
+          <a:prstGeom prst="straightConnector1">
+            <a:avLst/>
+          </a:prstGeom>
+          <a:ln>
+            <a:solidFill>
+              <a:srgbClr val="FF0000"/>
+            </a:solidFill>
+            <a:tailEnd type="triangle"/>
+          </a:ln>
+        </p:spPr>
+        <p:style>
+          <a:lnRef idx="3">
+            <a:schemeClr val="dk1"/>
+          </a:lnRef>
+          <a:fillRef idx="0">
+            <a:schemeClr val="dk1"/>
+          </a:fillRef>
+          <a:effectRef idx="2">
+            <a:schemeClr val="dk1"/>
+          </a:effectRef>
+          <a:fontRef idx="minor">
+            <a:schemeClr val="tx1"/>
+          </a:fontRef>
+        </p:style>
+      </p:cxnSp>
+      <p:cxnSp>
+        <p:nvCxnSpPr>
+          <p:cNvPr id="8" name="Straight Arrow Connector 7"/>
+          <p:cNvCxnSpPr/>
+          <p:nvPr/>
+        </p:nvCxnSpPr>
+        <p:spPr>
+          <a:xfrm flipV="1">
+            <a:off x="1883664" y="1239394"/>
+            <a:ext cx="0" cy="363854"/>
+          </a:xfrm>
+          <a:prstGeom prst="straightConnector1">
+            <a:avLst/>
+          </a:prstGeom>
+          <a:ln>
+            <a:solidFill>
+              <a:srgbClr val="FF0000"/>
+            </a:solidFill>
+            <a:tailEnd type="triangle"/>
+          </a:ln>
+        </p:spPr>
+        <p:style>
+          <a:lnRef idx="3">
+            <a:schemeClr val="dk1"/>
+          </a:lnRef>
+          <a:fillRef idx="0">
+            <a:schemeClr val="dk1"/>
+          </a:fillRef>
+          <a:effectRef idx="2">
+            <a:schemeClr val="dk1"/>
+          </a:effectRef>
+          <a:fontRef idx="minor">
+            <a:schemeClr val="tx1"/>
+          </a:fontRef>
+        </p:style>
+      </p:cxnSp>
+      <p:cxnSp>
+        <p:nvCxnSpPr>
+          <p:cNvPr id="9" name="Straight Arrow Connector 8"/>
+          <p:cNvCxnSpPr/>
+          <p:nvPr/>
+        </p:nvCxnSpPr>
+        <p:spPr>
+          <a:xfrm flipV="1">
+            <a:off x="2395728" y="1240347"/>
+            <a:ext cx="0" cy="363854"/>
+          </a:xfrm>
+          <a:prstGeom prst="straightConnector1">
+            <a:avLst/>
+          </a:prstGeom>
+          <a:ln>
+            <a:solidFill>
+              <a:srgbClr val="FF0000"/>
+            </a:solidFill>
+            <a:tailEnd type="triangle"/>
+          </a:ln>
+        </p:spPr>
+        <p:style>
+          <a:lnRef idx="3">
+            <a:schemeClr val="dk1"/>
+          </a:lnRef>
+          <a:fillRef idx="0">
+            <a:schemeClr val="dk1"/>
+          </a:fillRef>
+          <a:effectRef idx="2">
+            <a:schemeClr val="dk1"/>
+          </a:effectRef>
+          <a:fontRef idx="minor">
+            <a:schemeClr val="tx1"/>
+          </a:fontRef>
+        </p:style>
+      </p:cxnSp>
+      <p:cxnSp>
+        <p:nvCxnSpPr>
+          <p:cNvPr id="10" name="Straight Arrow Connector 9"/>
+          <p:cNvCxnSpPr/>
+          <p:nvPr/>
+        </p:nvCxnSpPr>
+        <p:spPr>
+          <a:xfrm flipV="1">
+            <a:off x="2926080" y="1239394"/>
+            <a:ext cx="0" cy="363854"/>
+          </a:xfrm>
+          <a:prstGeom prst="straightConnector1">
+            <a:avLst/>
+          </a:prstGeom>
+          <a:ln>
+            <a:solidFill>
+              <a:srgbClr val="FF0000"/>
+            </a:solidFill>
+            <a:tailEnd type="triangle"/>
+          </a:ln>
+        </p:spPr>
+        <p:style>
+          <a:lnRef idx="3">
+            <a:schemeClr val="dk1"/>
+          </a:lnRef>
+          <a:fillRef idx="0">
+            <a:schemeClr val="dk1"/>
+          </a:fillRef>
+          <a:effectRef idx="2">
+            <a:schemeClr val="dk1"/>
+          </a:effectRef>
+          <a:fontRef idx="minor">
+            <a:schemeClr val="tx1"/>
+          </a:fontRef>
+        </p:style>
+      </p:cxnSp>
+      <p:cxnSp>
+        <p:nvCxnSpPr>
+          <p:cNvPr id="11" name="Straight Arrow Connector 10"/>
+          <p:cNvCxnSpPr/>
+          <p:nvPr/>
+        </p:nvCxnSpPr>
+        <p:spPr>
+          <a:xfrm flipV="1">
+            <a:off x="3432048" y="1239394"/>
+            <a:ext cx="0" cy="363854"/>
+          </a:xfrm>
+          <a:prstGeom prst="straightConnector1">
+            <a:avLst/>
+          </a:prstGeom>
+          <a:ln>
+            <a:solidFill>
+              <a:srgbClr val="FF0000"/>
+            </a:solidFill>
+            <a:tailEnd type="triangle"/>
+          </a:ln>
+        </p:spPr>
+        <p:style>
+          <a:lnRef idx="3">
+            <a:schemeClr val="dk1"/>
+          </a:lnRef>
+          <a:fillRef idx="0">
+            <a:schemeClr val="dk1"/>
+          </a:fillRef>
+          <a:effectRef idx="2">
+            <a:schemeClr val="dk1"/>
+          </a:effectRef>
+          <a:fontRef idx="minor">
+            <a:schemeClr val="tx1"/>
+          </a:fontRef>
+        </p:style>
+      </p:cxnSp>
+      <p:cxnSp>
+        <p:nvCxnSpPr>
+          <p:cNvPr id="12" name="Straight Arrow Connector 11"/>
+          <p:cNvCxnSpPr/>
+          <p:nvPr/>
+        </p:nvCxnSpPr>
+        <p:spPr>
+          <a:xfrm flipH="1" flipV="1">
+            <a:off x="3950208" y="1239394"/>
+            <a:ext cx="85344" cy="363854"/>
+          </a:xfrm>
+          <a:prstGeom prst="straightConnector1">
+            <a:avLst/>
+          </a:prstGeom>
+          <a:ln>
+            <a:solidFill>
+              <a:srgbClr val="FF0000"/>
+            </a:solidFill>
+            <a:tailEnd type="triangle"/>
+          </a:ln>
+        </p:spPr>
+        <p:style>
+          <a:lnRef idx="3">
+            <a:schemeClr val="dk1"/>
+          </a:lnRef>
+          <a:fillRef idx="0">
+            <a:schemeClr val="dk1"/>
+          </a:fillRef>
+          <a:effectRef idx="2">
+            <a:schemeClr val="dk1"/>
+          </a:effectRef>
+          <a:fontRef idx="minor">
+            <a:schemeClr val="tx1"/>
+          </a:fontRef>
+        </p:style>
+      </p:cxnSp>
+      <p:cxnSp>
+        <p:nvCxnSpPr>
+          <p:cNvPr id="13" name="Straight Arrow Connector 12"/>
+          <p:cNvCxnSpPr/>
+          <p:nvPr/>
+        </p:nvCxnSpPr>
+        <p:spPr>
+          <a:xfrm flipV="1">
+            <a:off x="4035552" y="1239394"/>
+            <a:ext cx="128016" cy="363854"/>
+          </a:xfrm>
+          <a:prstGeom prst="straightConnector1">
+            <a:avLst/>
+          </a:prstGeom>
+          <a:ln>
+            <a:solidFill>
+              <a:srgbClr val="FF0000"/>
+            </a:solidFill>
+            <a:tailEnd type="triangle"/>
+          </a:ln>
+        </p:spPr>
+        <p:style>
+          <a:lnRef idx="3">
+            <a:schemeClr val="dk1"/>
+          </a:lnRef>
+          <a:fillRef idx="0">
+            <a:schemeClr val="dk1"/>
+          </a:fillRef>
+          <a:effectRef idx="2">
+            <a:schemeClr val="dk1"/>
+          </a:effectRef>
+          <a:fontRef idx="minor">
+            <a:schemeClr val="tx1"/>
+          </a:fontRef>
+        </p:style>
+      </p:cxnSp>
+      <p:cxnSp>
+        <p:nvCxnSpPr>
+          <p:cNvPr id="16" name="Straight Arrow Connector 15"/>
+          <p:cNvCxnSpPr/>
+          <p:nvPr/>
+        </p:nvCxnSpPr>
+        <p:spPr>
+          <a:xfrm flipV="1">
+            <a:off x="4669536" y="1239394"/>
+            <a:ext cx="0" cy="363854"/>
+          </a:xfrm>
+          <a:prstGeom prst="straightConnector1">
+            <a:avLst/>
+          </a:prstGeom>
+          <a:ln>
+            <a:solidFill>
+              <a:srgbClr val="FF0000"/>
+            </a:solidFill>
+            <a:tailEnd type="triangle"/>
+          </a:ln>
+        </p:spPr>
+        <p:style>
+          <a:lnRef idx="3">
+            <a:schemeClr val="dk1"/>
+          </a:lnRef>
+          <a:fillRef idx="0">
+            <a:schemeClr val="dk1"/>
+          </a:fillRef>
+          <a:effectRef idx="2">
+            <a:schemeClr val="dk1"/>
+          </a:effectRef>
+          <a:fontRef idx="minor">
+            <a:schemeClr val="tx1"/>
+          </a:fontRef>
+        </p:style>
+      </p:cxnSp>
+      <p:cxnSp>
+        <p:nvCxnSpPr>
+          <p:cNvPr id="17" name="Straight Arrow Connector 16"/>
+          <p:cNvCxnSpPr/>
+          <p:nvPr/>
+        </p:nvCxnSpPr>
+        <p:spPr>
+          <a:xfrm flipV="1">
+            <a:off x="5187696" y="1239394"/>
+            <a:ext cx="0" cy="363854"/>
+          </a:xfrm>
+          <a:prstGeom prst="straightConnector1">
+            <a:avLst/>
+          </a:prstGeom>
+          <a:ln>
+            <a:solidFill>
+              <a:srgbClr val="FF0000"/>
+            </a:solidFill>
+            <a:tailEnd type="triangle"/>
+          </a:ln>
+        </p:spPr>
+        <p:style>
+          <a:lnRef idx="3">
+            <a:schemeClr val="dk1"/>
+          </a:lnRef>
+          <a:fillRef idx="0">
+            <a:schemeClr val="dk1"/>
+          </a:fillRef>
+          <a:effectRef idx="2">
+            <a:schemeClr val="dk1"/>
+          </a:effectRef>
+          <a:fontRef idx="minor">
+            <a:schemeClr val="tx1"/>
+          </a:fontRef>
+        </p:style>
+      </p:cxnSp>
+      <p:cxnSp>
+        <p:nvCxnSpPr>
+          <p:cNvPr id="18" name="Straight Arrow Connector 17"/>
+          <p:cNvCxnSpPr/>
+          <p:nvPr/>
+        </p:nvCxnSpPr>
+        <p:spPr>
+          <a:xfrm>
+            <a:off x="1645920" y="676657"/>
+            <a:ext cx="0" cy="363854"/>
+          </a:xfrm>
+          <a:prstGeom prst="straightConnector1">
+            <a:avLst/>
+          </a:prstGeom>
+          <a:ln>
+            <a:solidFill>
+              <a:srgbClr val="FF0000"/>
+            </a:solidFill>
+            <a:tailEnd type="triangle"/>
+          </a:ln>
+        </p:spPr>
+        <p:style>
+          <a:lnRef idx="3">
+            <a:schemeClr val="dk1"/>
+          </a:lnRef>
+          <a:fillRef idx="0">
+            <a:schemeClr val="dk1"/>
+          </a:fillRef>
+          <a:effectRef idx="2">
+            <a:schemeClr val="dk1"/>
+          </a:effectRef>
+          <a:fontRef idx="minor">
+            <a:schemeClr val="tx1"/>
+          </a:fontRef>
+        </p:style>
+      </p:cxnSp>
+      <p:cxnSp>
+        <p:nvCxnSpPr>
+          <p:cNvPr id="19" name="Straight Arrow Connector 18"/>
+          <p:cNvCxnSpPr/>
+          <p:nvPr/>
+        </p:nvCxnSpPr>
+        <p:spPr>
+          <a:xfrm>
+            <a:off x="2121408" y="676657"/>
+            <a:ext cx="0" cy="363854"/>
+          </a:xfrm>
+          <a:prstGeom prst="straightConnector1">
+            <a:avLst/>
+          </a:prstGeom>
+          <a:ln>
+            <a:solidFill>
+              <a:srgbClr val="FF0000"/>
+            </a:solidFill>
+            <a:tailEnd type="triangle"/>
+          </a:ln>
+        </p:spPr>
+        <p:style>
+          <a:lnRef idx="3">
+            <a:schemeClr val="dk1"/>
+          </a:lnRef>
+          <a:fillRef idx="0">
+            <a:schemeClr val="dk1"/>
+          </a:fillRef>
+          <a:effectRef idx="2">
+            <a:schemeClr val="dk1"/>
+          </a:effectRef>
+          <a:fontRef idx="minor">
+            <a:schemeClr val="tx1"/>
+          </a:fontRef>
+        </p:style>
+      </p:cxnSp>
+      <p:cxnSp>
+        <p:nvCxnSpPr>
+          <p:cNvPr id="20" name="Straight Arrow Connector 19"/>
+          <p:cNvCxnSpPr/>
+          <p:nvPr/>
+        </p:nvCxnSpPr>
+        <p:spPr>
+          <a:xfrm>
+            <a:off x="2688336" y="676657"/>
+            <a:ext cx="0" cy="363854"/>
+          </a:xfrm>
+          <a:prstGeom prst="straightConnector1">
+            <a:avLst/>
+          </a:prstGeom>
+          <a:ln>
+            <a:solidFill>
+              <a:srgbClr val="FF0000"/>
+            </a:solidFill>
+            <a:tailEnd type="triangle"/>
+          </a:ln>
+        </p:spPr>
+        <p:style>
+          <a:lnRef idx="3">
+            <a:schemeClr val="dk1"/>
+          </a:lnRef>
+          <a:fillRef idx="0">
+            <a:schemeClr val="dk1"/>
+          </a:fillRef>
+          <a:effectRef idx="2">
+            <a:schemeClr val="dk1"/>
+          </a:effectRef>
+          <a:fontRef idx="minor">
+            <a:schemeClr val="tx1"/>
+          </a:fontRef>
+        </p:style>
+      </p:cxnSp>
+      <p:cxnSp>
+        <p:nvCxnSpPr>
+          <p:cNvPr id="21" name="Straight Arrow Connector 20"/>
+          <p:cNvCxnSpPr/>
+          <p:nvPr/>
+        </p:nvCxnSpPr>
+        <p:spPr>
+          <a:xfrm>
+            <a:off x="3151632" y="676657"/>
+            <a:ext cx="0" cy="363854"/>
+          </a:xfrm>
+          <a:prstGeom prst="straightConnector1">
+            <a:avLst/>
+          </a:prstGeom>
+          <a:ln>
+            <a:solidFill>
+              <a:srgbClr val="FF0000"/>
+            </a:solidFill>
+            <a:tailEnd type="triangle"/>
+          </a:ln>
+        </p:spPr>
+        <p:style>
+          <a:lnRef idx="3">
+            <a:schemeClr val="dk1"/>
+          </a:lnRef>
+          <a:fillRef idx="0">
+            <a:schemeClr val="dk1"/>
+          </a:fillRef>
+          <a:effectRef idx="2">
+            <a:schemeClr val="dk1"/>
+          </a:effectRef>
+          <a:fontRef idx="minor">
+            <a:schemeClr val="tx1"/>
+          </a:fontRef>
+        </p:style>
+      </p:cxnSp>
+      <p:cxnSp>
+        <p:nvCxnSpPr>
+          <p:cNvPr id="22" name="Straight Arrow Connector 21"/>
+          <p:cNvCxnSpPr/>
+          <p:nvPr/>
+        </p:nvCxnSpPr>
+        <p:spPr>
+          <a:xfrm>
+            <a:off x="3633216" y="676657"/>
+            <a:ext cx="0" cy="363854"/>
+          </a:xfrm>
+          <a:prstGeom prst="straightConnector1">
+            <a:avLst/>
+          </a:prstGeom>
+          <a:ln>
+            <a:solidFill>
+              <a:srgbClr val="FF0000"/>
+            </a:solidFill>
+            <a:tailEnd type="triangle"/>
+          </a:ln>
+        </p:spPr>
+        <p:style>
+          <a:lnRef idx="3">
+            <a:schemeClr val="dk1"/>
+          </a:lnRef>
+          <a:fillRef idx="0">
+            <a:schemeClr val="dk1"/>
+          </a:fillRef>
+          <a:effectRef idx="2">
+            <a:schemeClr val="dk1"/>
+          </a:effectRef>
+          <a:fontRef idx="minor">
+            <a:schemeClr val="tx1"/>
+          </a:fontRef>
+        </p:style>
+      </p:cxnSp>
+      <p:cxnSp>
+        <p:nvCxnSpPr>
+          <p:cNvPr id="23" name="Straight Arrow Connector 22"/>
+          <p:cNvCxnSpPr/>
+          <p:nvPr/>
+        </p:nvCxnSpPr>
+        <p:spPr>
+          <a:xfrm>
+            <a:off x="4376928" y="676657"/>
+            <a:ext cx="0" cy="363854"/>
+          </a:xfrm>
+          <a:prstGeom prst="straightConnector1">
+            <a:avLst/>
+          </a:prstGeom>
+          <a:ln>
+            <a:solidFill>
+              <a:srgbClr val="FF0000"/>
+            </a:solidFill>
+            <a:tailEnd type="triangle"/>
+          </a:ln>
+        </p:spPr>
+        <p:style>
+          <a:lnRef idx="3">
+            <a:schemeClr val="dk1"/>
+          </a:lnRef>
+          <a:fillRef idx="0">
+            <a:schemeClr val="dk1"/>
+          </a:fillRef>
+          <a:effectRef idx="2">
+            <a:schemeClr val="dk1"/>
+          </a:effectRef>
+          <a:fontRef idx="minor">
+            <a:schemeClr val="tx1"/>
+          </a:fontRef>
+        </p:style>
+      </p:cxnSp>
+      <p:cxnSp>
+        <p:nvCxnSpPr>
+          <p:cNvPr id="24" name="Straight Arrow Connector 23"/>
+          <p:cNvCxnSpPr/>
+          <p:nvPr/>
+        </p:nvCxnSpPr>
+        <p:spPr>
+          <a:xfrm>
+            <a:off x="4901184" y="676657"/>
+            <a:ext cx="0" cy="363854"/>
+          </a:xfrm>
+          <a:prstGeom prst="straightConnector1">
+            <a:avLst/>
+          </a:prstGeom>
+          <a:ln>
+            <a:solidFill>
+              <a:srgbClr val="FF0000"/>
+            </a:solidFill>
+            <a:tailEnd type="triangle"/>
+          </a:ln>
+        </p:spPr>
+        <p:style>
+          <a:lnRef idx="3">
+            <a:schemeClr val="dk1"/>
+          </a:lnRef>
+          <a:fillRef idx="0">
+            <a:schemeClr val="dk1"/>
+          </a:fillRef>
+          <a:effectRef idx="2">
+            <a:schemeClr val="dk1"/>
+          </a:effectRef>
+          <a:fontRef idx="minor">
+            <a:schemeClr val="tx1"/>
+          </a:fontRef>
+        </p:style>
+      </p:cxnSp>
+      <p:cxnSp>
+        <p:nvCxnSpPr>
+          <p:cNvPr id="25" name="Straight Arrow Connector 24"/>
+          <p:cNvCxnSpPr/>
+          <p:nvPr/>
+        </p:nvCxnSpPr>
+        <p:spPr>
+          <a:xfrm>
+            <a:off x="5407152" y="676657"/>
+            <a:ext cx="0" cy="363854"/>
+          </a:xfrm>
+          <a:prstGeom prst="straightConnector1">
+            <a:avLst/>
+          </a:prstGeom>
+          <a:ln>
+            <a:solidFill>
+              <a:srgbClr val="FF0000"/>
+            </a:solidFill>
+            <a:tailEnd type="triangle"/>
+          </a:ln>
+        </p:spPr>
+        <p:style>
+          <a:lnRef idx="3">
+            <a:schemeClr val="dk1"/>
+          </a:lnRef>
+          <a:fillRef idx="0">
+            <a:schemeClr val="dk1"/>
+          </a:fillRef>
+          <a:effectRef idx="2">
+            <a:schemeClr val="dk1"/>
+          </a:effectRef>
+          <a:fontRef idx="minor">
+            <a:schemeClr val="tx1"/>
+          </a:fontRef>
+        </p:style>
+      </p:cxnSp>
+      <p:sp>
+        <p:nvSpPr>
+          <p:cNvPr id="26" name="TextBox 25"/>
+          <p:cNvSpPr txBox="1"/>
+          <p:nvPr/>
+        </p:nvSpPr>
+        <p:spPr>
+          <a:xfrm>
+            <a:off x="2238788" y="1536191"/>
+            <a:ext cx="301686" cy="369332"/>
+          </a:xfrm>
+          <a:prstGeom prst="rect">
+            <a:avLst/>
+          </a:prstGeom>
+          <a:noFill/>
+        </p:spPr>
+        <p:txBody>
+          <a:bodyPr wrap="none" rtlCol="0">
+            <a:spAutoFit/>
+          </a:bodyPr>
+          <a:lstStyle/>
+          <a:p>
+            <a:r>
+              <a:rPr lang="en-US" dirty="0">
                 <a:solidFill>
                   <a:srgbClr val="FF0000"/>
                 </a:solidFill>
-              </a:endParaRPr>
-            </a:p>
-          </p:txBody>
-        </p:sp>
-        <p:sp>
-          <p:nvSpPr>
-            <p:cNvPr id="28" name="TextBox 27"/>
-            <p:cNvSpPr txBox="1"/>
-            <p:nvPr/>
-          </p:nvSpPr>
-          <p:spPr>
-            <a:xfrm>
-              <a:off x="1300005" y="1536190"/>
-              <a:ext cx="301686" cy="369332"/>
-            </a:xfrm>
-            <a:prstGeom prst="rect">
-              <a:avLst/>
-            </a:prstGeom>
-            <a:noFill/>
-          </p:spPr>
-          <p:txBody>
-            <a:bodyPr wrap="none" rtlCol="0">
-              <a:spAutoFit/>
-            </a:bodyPr>
-            <a:lstStyle/>
-            <a:p>
-              <a:r>
-                <a:rPr lang="en-US" dirty="0" smtClean="0">
-                  <a:solidFill>
-                    <a:srgbClr val="FF0000"/>
-                  </a:solidFill>
-                </a:rPr>
-                <a:t>1</a:t>
-              </a:r>
-              <a:endParaRPr lang="en-US" dirty="0">
+              </a:rPr>
+              <a:t>5</a:t>
+            </a:r>
+          </a:p>
+        </p:txBody>
+      </p:sp>
+      <p:sp>
+        <p:nvSpPr>
+          <p:cNvPr id="27" name="TextBox 26"/>
+          <p:cNvSpPr txBox="1"/>
+          <p:nvPr/>
+        </p:nvSpPr>
+        <p:spPr>
+          <a:xfrm>
+            <a:off x="1738917" y="1542288"/>
+            <a:ext cx="301686" cy="369332"/>
+          </a:xfrm>
+          <a:prstGeom prst="rect">
+            <a:avLst/>
+          </a:prstGeom>
+          <a:noFill/>
+        </p:spPr>
+        <p:txBody>
+          <a:bodyPr wrap="none" rtlCol="0">
+            <a:spAutoFit/>
+          </a:bodyPr>
+          <a:lstStyle/>
+          <a:p>
+            <a:r>
+              <a:rPr lang="en-US" dirty="0">
                 <a:solidFill>
                   <a:srgbClr val="FF0000"/>
                 </a:solidFill>
-              </a:endParaRPr>
-            </a:p>
-          </p:txBody>
-        </p:sp>
-        <p:sp>
-          <p:nvSpPr>
-            <p:cNvPr id="29" name="TextBox 28"/>
-            <p:cNvSpPr txBox="1"/>
-            <p:nvPr/>
-          </p:nvSpPr>
-          <p:spPr>
-            <a:xfrm>
-              <a:off x="2775237" y="1536191"/>
-              <a:ext cx="301686" cy="369332"/>
-            </a:xfrm>
-            <a:prstGeom prst="rect">
-              <a:avLst/>
-            </a:prstGeom>
-            <a:noFill/>
-          </p:spPr>
-          <p:txBody>
-            <a:bodyPr wrap="none" rtlCol="0">
-              <a:spAutoFit/>
-            </a:bodyPr>
-            <a:lstStyle/>
-            <a:p>
-              <a:r>
-                <a:rPr lang="en-US" dirty="0" smtClean="0">
-                  <a:solidFill>
-                    <a:srgbClr val="FF0000"/>
-                  </a:solidFill>
-                </a:rPr>
-                <a:t>7</a:t>
-              </a:r>
-              <a:endParaRPr lang="en-US" dirty="0">
+              </a:rPr>
+              <a:t>3</a:t>
+            </a:r>
+          </a:p>
+        </p:txBody>
+      </p:sp>
+      <p:sp>
+        <p:nvSpPr>
+          <p:cNvPr id="28" name="TextBox 27"/>
+          <p:cNvSpPr txBox="1"/>
+          <p:nvPr/>
+        </p:nvSpPr>
+        <p:spPr>
+          <a:xfrm>
+            <a:off x="1300005" y="1536190"/>
+            <a:ext cx="301686" cy="369332"/>
+          </a:xfrm>
+          <a:prstGeom prst="rect">
+            <a:avLst/>
+          </a:prstGeom>
+          <a:noFill/>
+        </p:spPr>
+        <p:txBody>
+          <a:bodyPr wrap="none" rtlCol="0">
+            <a:spAutoFit/>
+          </a:bodyPr>
+          <a:lstStyle/>
+          <a:p>
+            <a:r>
+              <a:rPr lang="en-US" dirty="0">
                 <a:solidFill>
                   <a:srgbClr val="FF0000"/>
                 </a:solidFill>
-              </a:endParaRPr>
-            </a:p>
-          </p:txBody>
-        </p:sp>
-        <p:sp>
-          <p:nvSpPr>
-            <p:cNvPr id="30" name="TextBox 29"/>
-            <p:cNvSpPr txBox="1"/>
-            <p:nvPr/>
-          </p:nvSpPr>
-          <p:spPr>
-            <a:xfrm>
-              <a:off x="3278154" y="1548003"/>
-              <a:ext cx="301686" cy="369332"/>
-            </a:xfrm>
-            <a:prstGeom prst="rect">
-              <a:avLst/>
-            </a:prstGeom>
-            <a:noFill/>
-          </p:spPr>
-          <p:txBody>
-            <a:bodyPr wrap="none" rtlCol="0">
-              <a:spAutoFit/>
-            </a:bodyPr>
-            <a:lstStyle/>
-            <a:p>
-              <a:r>
-                <a:rPr lang="en-US" dirty="0" smtClean="0">
-                  <a:solidFill>
-                    <a:srgbClr val="FF0000"/>
-                  </a:solidFill>
-                </a:rPr>
-                <a:t>9</a:t>
-              </a:r>
-              <a:endParaRPr lang="en-US" dirty="0">
+              </a:rPr>
+              <a:t>1</a:t>
+            </a:r>
+          </a:p>
+        </p:txBody>
+      </p:sp>
+      <p:sp>
+        <p:nvSpPr>
+          <p:cNvPr id="29" name="TextBox 28"/>
+          <p:cNvSpPr txBox="1"/>
+          <p:nvPr/>
+        </p:nvSpPr>
+        <p:spPr>
+          <a:xfrm>
+            <a:off x="2775237" y="1536191"/>
+            <a:ext cx="301686" cy="369332"/>
+          </a:xfrm>
+          <a:prstGeom prst="rect">
+            <a:avLst/>
+          </a:prstGeom>
+          <a:noFill/>
+        </p:spPr>
+        <p:txBody>
+          <a:bodyPr wrap="none" rtlCol="0">
+            <a:spAutoFit/>
+          </a:bodyPr>
+          <a:lstStyle/>
+          <a:p>
+            <a:r>
+              <a:rPr lang="en-US" dirty="0">
                 <a:solidFill>
                   <a:srgbClr val="FF0000"/>
                 </a:solidFill>
-              </a:endParaRPr>
-            </a:p>
-          </p:txBody>
-        </p:sp>
-        <p:sp>
-          <p:nvSpPr>
-            <p:cNvPr id="32" name="TextBox 31"/>
-            <p:cNvSpPr txBox="1"/>
-            <p:nvPr/>
-          </p:nvSpPr>
-          <p:spPr>
-            <a:xfrm>
-              <a:off x="3884709" y="1536190"/>
-              <a:ext cx="418704" cy="369332"/>
-            </a:xfrm>
-            <a:prstGeom prst="rect">
-              <a:avLst/>
-            </a:prstGeom>
-            <a:noFill/>
-          </p:spPr>
-          <p:txBody>
-            <a:bodyPr wrap="none" rtlCol="0">
-              <a:spAutoFit/>
-            </a:bodyPr>
-            <a:lstStyle/>
-            <a:p>
-              <a:r>
-                <a:rPr lang="en-US" dirty="0" smtClean="0">
-                  <a:solidFill>
-                    <a:srgbClr val="FF0000"/>
-                  </a:solidFill>
-                </a:rPr>
-                <a:t>11</a:t>
-              </a:r>
-              <a:endParaRPr lang="en-US" dirty="0">
+              </a:rPr>
+              <a:t>7</a:t>
+            </a:r>
+          </a:p>
+        </p:txBody>
+      </p:sp>
+      <p:sp>
+        <p:nvSpPr>
+          <p:cNvPr id="30" name="TextBox 29"/>
+          <p:cNvSpPr txBox="1"/>
+          <p:nvPr/>
+        </p:nvSpPr>
+        <p:spPr>
+          <a:xfrm>
+            <a:off x="3278154" y="1548003"/>
+            <a:ext cx="301686" cy="369332"/>
+          </a:xfrm>
+          <a:prstGeom prst="rect">
+            <a:avLst/>
+          </a:prstGeom>
+          <a:noFill/>
+        </p:spPr>
+        <p:txBody>
+          <a:bodyPr wrap="none" rtlCol="0">
+            <a:spAutoFit/>
+          </a:bodyPr>
+          <a:lstStyle/>
+          <a:p>
+            <a:r>
+              <a:rPr lang="en-US" dirty="0">
                 <a:solidFill>
                   <a:srgbClr val="FF0000"/>
                 </a:solidFill>
-              </a:endParaRPr>
-            </a:p>
-          </p:txBody>
-        </p:sp>
-        <p:sp>
-          <p:nvSpPr>
-            <p:cNvPr id="33" name="TextBox 32"/>
-            <p:cNvSpPr txBox="1"/>
-            <p:nvPr/>
-          </p:nvSpPr>
-          <p:spPr>
-            <a:xfrm>
-              <a:off x="4515705" y="1536190"/>
-              <a:ext cx="418704" cy="369332"/>
-            </a:xfrm>
-            <a:prstGeom prst="rect">
-              <a:avLst/>
-            </a:prstGeom>
-            <a:noFill/>
-          </p:spPr>
-          <p:txBody>
-            <a:bodyPr wrap="none" rtlCol="0">
-              <a:spAutoFit/>
-            </a:bodyPr>
-            <a:lstStyle/>
-            <a:p>
-              <a:r>
-                <a:rPr lang="en-US" dirty="0" smtClean="0">
-                  <a:solidFill>
-                    <a:srgbClr val="FF0000"/>
-                  </a:solidFill>
-                </a:rPr>
-                <a:t>13</a:t>
-              </a:r>
-              <a:endParaRPr lang="en-US" dirty="0">
+              </a:rPr>
+              <a:t>9</a:t>
+            </a:r>
+          </a:p>
+        </p:txBody>
+      </p:sp>
+      <p:sp>
+        <p:nvSpPr>
+          <p:cNvPr id="32" name="TextBox 31"/>
+          <p:cNvSpPr txBox="1"/>
+          <p:nvPr/>
+        </p:nvSpPr>
+        <p:spPr>
+          <a:xfrm>
+            <a:off x="3884709" y="1536190"/>
+            <a:ext cx="418704" cy="369332"/>
+          </a:xfrm>
+          <a:prstGeom prst="rect">
+            <a:avLst/>
+          </a:prstGeom>
+          <a:noFill/>
+        </p:spPr>
+        <p:txBody>
+          <a:bodyPr wrap="none" rtlCol="0">
+            <a:spAutoFit/>
+          </a:bodyPr>
+          <a:lstStyle/>
+          <a:p>
+            <a:r>
+              <a:rPr lang="en-US" dirty="0">
                 <a:solidFill>
                   <a:srgbClr val="FF0000"/>
                 </a:solidFill>
-              </a:endParaRPr>
-            </a:p>
-          </p:txBody>
-        </p:sp>
-        <p:sp>
-          <p:nvSpPr>
-            <p:cNvPr id="34" name="TextBox 33"/>
-            <p:cNvSpPr txBox="1"/>
-            <p:nvPr/>
-          </p:nvSpPr>
-          <p:spPr>
-            <a:xfrm>
-              <a:off x="5036853" y="1536190"/>
-              <a:ext cx="418704" cy="369332"/>
-            </a:xfrm>
-            <a:prstGeom prst="rect">
-              <a:avLst/>
-            </a:prstGeom>
-            <a:noFill/>
-          </p:spPr>
-          <p:txBody>
-            <a:bodyPr wrap="none" rtlCol="0">
-              <a:spAutoFit/>
-            </a:bodyPr>
-            <a:lstStyle/>
-            <a:p>
-              <a:r>
-                <a:rPr lang="en-US" dirty="0" smtClean="0">
-                  <a:solidFill>
-                    <a:srgbClr val="FF0000"/>
-                  </a:solidFill>
-                </a:rPr>
-                <a:t>15</a:t>
-              </a:r>
-              <a:endParaRPr lang="en-US" dirty="0">
+              </a:rPr>
+              <a:t>11</a:t>
+            </a:r>
+          </a:p>
+        </p:txBody>
+      </p:sp>
+      <p:sp>
+        <p:nvSpPr>
+          <p:cNvPr id="33" name="TextBox 32"/>
+          <p:cNvSpPr txBox="1"/>
+          <p:nvPr/>
+        </p:nvSpPr>
+        <p:spPr>
+          <a:xfrm>
+            <a:off x="4515705" y="1536190"/>
+            <a:ext cx="418704" cy="369332"/>
+          </a:xfrm>
+          <a:prstGeom prst="rect">
+            <a:avLst/>
+          </a:prstGeom>
+          <a:noFill/>
+        </p:spPr>
+        <p:txBody>
+          <a:bodyPr wrap="none" rtlCol="0">
+            <a:spAutoFit/>
+          </a:bodyPr>
+          <a:lstStyle/>
+          <a:p>
+            <a:r>
+              <a:rPr lang="en-US" dirty="0">
                 <a:solidFill>
                   <a:srgbClr val="FF0000"/>
                 </a:solidFill>
-              </a:endParaRPr>
-            </a:p>
-          </p:txBody>
-        </p:sp>
-        <p:sp>
-          <p:nvSpPr>
-            <p:cNvPr id="35" name="TextBox 34"/>
-            <p:cNvSpPr txBox="1"/>
-            <p:nvPr/>
-          </p:nvSpPr>
-          <p:spPr>
-            <a:xfrm>
-              <a:off x="5256309" y="310064"/>
-              <a:ext cx="418704" cy="369332"/>
-            </a:xfrm>
-            <a:prstGeom prst="rect">
-              <a:avLst/>
-            </a:prstGeom>
-            <a:noFill/>
-          </p:spPr>
-          <p:txBody>
-            <a:bodyPr wrap="none" rtlCol="0">
-              <a:spAutoFit/>
-            </a:bodyPr>
-            <a:lstStyle/>
-            <a:p>
-              <a:r>
-                <a:rPr lang="en-US" dirty="0" smtClean="0">
-                  <a:solidFill>
-                    <a:srgbClr val="FF0000"/>
-                  </a:solidFill>
-                </a:rPr>
-                <a:t>16</a:t>
-              </a:r>
-              <a:endParaRPr lang="en-US" dirty="0">
+              </a:rPr>
+              <a:t>13</a:t>
+            </a:r>
+          </a:p>
+        </p:txBody>
+      </p:sp>
+      <p:sp>
+        <p:nvSpPr>
+          <p:cNvPr id="34" name="TextBox 33"/>
+          <p:cNvSpPr txBox="1"/>
+          <p:nvPr/>
+        </p:nvSpPr>
+        <p:spPr>
+          <a:xfrm>
+            <a:off x="5036853" y="1536190"/>
+            <a:ext cx="418704" cy="369332"/>
+          </a:xfrm>
+          <a:prstGeom prst="rect">
+            <a:avLst/>
+          </a:prstGeom>
+          <a:noFill/>
+        </p:spPr>
+        <p:txBody>
+          <a:bodyPr wrap="none" rtlCol="0">
+            <a:spAutoFit/>
+          </a:bodyPr>
+          <a:lstStyle/>
+          <a:p>
+            <a:r>
+              <a:rPr lang="en-US" dirty="0">
                 <a:solidFill>
                   <a:srgbClr val="FF0000"/>
                 </a:solidFill>
-              </a:endParaRPr>
-            </a:p>
-          </p:txBody>
-        </p:sp>
-        <p:sp>
-          <p:nvSpPr>
-            <p:cNvPr id="36" name="TextBox 35"/>
-            <p:cNvSpPr txBox="1"/>
-            <p:nvPr/>
-          </p:nvSpPr>
-          <p:spPr>
-            <a:xfrm>
-              <a:off x="4728359" y="310064"/>
-              <a:ext cx="418704" cy="369332"/>
-            </a:xfrm>
-            <a:prstGeom prst="rect">
-              <a:avLst/>
-            </a:prstGeom>
-            <a:noFill/>
-          </p:spPr>
-          <p:txBody>
-            <a:bodyPr wrap="none" rtlCol="0">
-              <a:spAutoFit/>
-            </a:bodyPr>
-            <a:lstStyle/>
-            <a:p>
-              <a:r>
-                <a:rPr lang="en-US" dirty="0" smtClean="0">
-                  <a:solidFill>
-                    <a:srgbClr val="FF0000"/>
-                  </a:solidFill>
-                </a:rPr>
-                <a:t>14</a:t>
-              </a:r>
-              <a:endParaRPr lang="en-US" dirty="0">
+              </a:rPr>
+              <a:t>15</a:t>
+            </a:r>
+          </a:p>
+        </p:txBody>
+      </p:sp>
+      <p:sp>
+        <p:nvSpPr>
+          <p:cNvPr id="35" name="TextBox 34"/>
+          <p:cNvSpPr txBox="1"/>
+          <p:nvPr/>
+        </p:nvSpPr>
+        <p:spPr>
+          <a:xfrm>
+            <a:off x="5256309" y="310064"/>
+            <a:ext cx="418704" cy="369332"/>
+          </a:xfrm>
+          <a:prstGeom prst="rect">
+            <a:avLst/>
+          </a:prstGeom>
+          <a:noFill/>
+        </p:spPr>
+        <p:txBody>
+          <a:bodyPr wrap="none" rtlCol="0">
+            <a:spAutoFit/>
+          </a:bodyPr>
+          <a:lstStyle/>
+          <a:p>
+            <a:r>
+              <a:rPr lang="en-US" dirty="0">
                 <a:solidFill>
                   <a:srgbClr val="FF0000"/>
                 </a:solidFill>
-              </a:endParaRPr>
-            </a:p>
-          </p:txBody>
-        </p:sp>
-        <p:sp>
-          <p:nvSpPr>
-            <p:cNvPr id="37" name="TextBox 36"/>
-            <p:cNvSpPr txBox="1"/>
-            <p:nvPr/>
-          </p:nvSpPr>
-          <p:spPr>
-            <a:xfrm>
-              <a:off x="4222392" y="310064"/>
-              <a:ext cx="418704" cy="369332"/>
-            </a:xfrm>
-            <a:prstGeom prst="rect">
-              <a:avLst/>
-            </a:prstGeom>
-            <a:noFill/>
-          </p:spPr>
-          <p:txBody>
-            <a:bodyPr wrap="none" rtlCol="0">
-              <a:spAutoFit/>
-            </a:bodyPr>
-            <a:lstStyle/>
-            <a:p>
-              <a:r>
-                <a:rPr lang="en-US" dirty="0" smtClean="0">
-                  <a:solidFill>
-                    <a:srgbClr val="FF0000"/>
-                  </a:solidFill>
-                </a:rPr>
-                <a:t>12</a:t>
-              </a:r>
-              <a:endParaRPr lang="en-US" dirty="0">
+              </a:rPr>
+              <a:t>16</a:t>
+            </a:r>
+          </a:p>
+        </p:txBody>
+      </p:sp>
+      <p:sp>
+        <p:nvSpPr>
+          <p:cNvPr id="36" name="TextBox 35"/>
+          <p:cNvSpPr txBox="1"/>
+          <p:nvPr/>
+        </p:nvSpPr>
+        <p:spPr>
+          <a:xfrm>
+            <a:off x="4728359" y="310064"/>
+            <a:ext cx="418704" cy="369332"/>
+          </a:xfrm>
+          <a:prstGeom prst="rect">
+            <a:avLst/>
+          </a:prstGeom>
+          <a:noFill/>
+        </p:spPr>
+        <p:txBody>
+          <a:bodyPr wrap="none" rtlCol="0">
+            <a:spAutoFit/>
+          </a:bodyPr>
+          <a:lstStyle/>
+          <a:p>
+            <a:r>
+              <a:rPr lang="en-US" dirty="0">
                 <a:solidFill>
                   <a:srgbClr val="FF0000"/>
                 </a:solidFill>
-              </a:endParaRPr>
-            </a:p>
-          </p:txBody>
-        </p:sp>
-        <p:sp>
-          <p:nvSpPr>
-            <p:cNvPr id="38" name="TextBox 37"/>
-            <p:cNvSpPr txBox="1"/>
-            <p:nvPr/>
-          </p:nvSpPr>
-          <p:spPr>
-            <a:xfrm>
-              <a:off x="3475276" y="310064"/>
-              <a:ext cx="418704" cy="369332"/>
-            </a:xfrm>
-            <a:prstGeom prst="rect">
-              <a:avLst/>
-            </a:prstGeom>
-            <a:noFill/>
-          </p:spPr>
-          <p:txBody>
-            <a:bodyPr wrap="none" rtlCol="0">
-              <a:spAutoFit/>
-            </a:bodyPr>
-            <a:lstStyle/>
-            <a:p>
-              <a:r>
-                <a:rPr lang="en-US" dirty="0" smtClean="0">
-                  <a:solidFill>
-                    <a:srgbClr val="FF0000"/>
-                  </a:solidFill>
-                </a:rPr>
-                <a:t>10</a:t>
-              </a:r>
-              <a:endParaRPr lang="en-US" dirty="0">
+              </a:rPr>
+              <a:t>14</a:t>
+            </a:r>
+          </a:p>
+        </p:txBody>
+      </p:sp>
+      <p:sp>
+        <p:nvSpPr>
+          <p:cNvPr id="37" name="TextBox 36"/>
+          <p:cNvSpPr txBox="1"/>
+          <p:nvPr/>
+        </p:nvSpPr>
+        <p:spPr>
+          <a:xfrm>
+            <a:off x="4222392" y="310064"/>
+            <a:ext cx="418704" cy="369332"/>
+          </a:xfrm>
+          <a:prstGeom prst="rect">
+            <a:avLst/>
+          </a:prstGeom>
+          <a:noFill/>
+        </p:spPr>
+        <p:txBody>
+          <a:bodyPr wrap="none" rtlCol="0">
+            <a:spAutoFit/>
+          </a:bodyPr>
+          <a:lstStyle/>
+          <a:p>
+            <a:r>
+              <a:rPr lang="en-US" dirty="0">
                 <a:solidFill>
                   <a:srgbClr val="FF0000"/>
                 </a:solidFill>
-              </a:endParaRPr>
-            </a:p>
-          </p:txBody>
-        </p:sp>
-        <p:sp>
-          <p:nvSpPr>
-            <p:cNvPr id="39" name="TextBox 38"/>
-            <p:cNvSpPr txBox="1"/>
-            <p:nvPr/>
-          </p:nvSpPr>
-          <p:spPr>
-            <a:xfrm>
-              <a:off x="3000789" y="310064"/>
-              <a:ext cx="301686" cy="369332"/>
-            </a:xfrm>
-            <a:prstGeom prst="rect">
-              <a:avLst/>
-            </a:prstGeom>
-            <a:noFill/>
-          </p:spPr>
-          <p:txBody>
-            <a:bodyPr wrap="none" rtlCol="0">
-              <a:spAutoFit/>
-            </a:bodyPr>
-            <a:lstStyle/>
-            <a:p>
-              <a:r>
-                <a:rPr lang="en-US" dirty="0" smtClean="0">
-                  <a:solidFill>
-                    <a:srgbClr val="FF0000"/>
-                  </a:solidFill>
-                </a:rPr>
-                <a:t>8</a:t>
-              </a:r>
-              <a:endParaRPr lang="en-US" dirty="0">
+              </a:rPr>
+              <a:t>12</a:t>
+            </a:r>
+          </a:p>
+        </p:txBody>
+      </p:sp>
+      <p:sp>
+        <p:nvSpPr>
+          <p:cNvPr id="38" name="TextBox 37"/>
+          <p:cNvSpPr txBox="1"/>
+          <p:nvPr/>
+        </p:nvSpPr>
+        <p:spPr>
+          <a:xfrm>
+            <a:off x="3475276" y="310064"/>
+            <a:ext cx="418704" cy="369332"/>
+          </a:xfrm>
+          <a:prstGeom prst="rect">
+            <a:avLst/>
+          </a:prstGeom>
+          <a:noFill/>
+        </p:spPr>
+        <p:txBody>
+          <a:bodyPr wrap="none" rtlCol="0">
+            <a:spAutoFit/>
+          </a:bodyPr>
+          <a:lstStyle/>
+          <a:p>
+            <a:r>
+              <a:rPr lang="en-US" dirty="0">
                 <a:solidFill>
                   <a:srgbClr val="FF0000"/>
                 </a:solidFill>
-              </a:endParaRPr>
-            </a:p>
-          </p:txBody>
-        </p:sp>
-        <p:sp>
-          <p:nvSpPr>
-            <p:cNvPr id="40" name="TextBox 39"/>
-            <p:cNvSpPr txBox="1"/>
-            <p:nvPr/>
-          </p:nvSpPr>
-          <p:spPr>
-            <a:xfrm>
-              <a:off x="2532820" y="310064"/>
-              <a:ext cx="301686" cy="369332"/>
-            </a:xfrm>
-            <a:prstGeom prst="rect">
-              <a:avLst/>
-            </a:prstGeom>
-            <a:noFill/>
-          </p:spPr>
-          <p:txBody>
-            <a:bodyPr wrap="none" rtlCol="0">
-              <a:spAutoFit/>
-            </a:bodyPr>
-            <a:lstStyle/>
-            <a:p>
-              <a:r>
-                <a:rPr lang="en-US" dirty="0" smtClean="0">
-                  <a:solidFill>
-                    <a:srgbClr val="FF0000"/>
-                  </a:solidFill>
-                </a:rPr>
-                <a:t>6</a:t>
-              </a:r>
-              <a:endParaRPr lang="en-US" dirty="0">
+              </a:rPr>
+              <a:t>10</a:t>
+            </a:r>
+          </a:p>
+        </p:txBody>
+      </p:sp>
+      <p:sp>
+        <p:nvSpPr>
+          <p:cNvPr id="39" name="TextBox 38"/>
+          <p:cNvSpPr txBox="1"/>
+          <p:nvPr/>
+        </p:nvSpPr>
+        <p:spPr>
+          <a:xfrm>
+            <a:off x="3000789" y="310064"/>
+            <a:ext cx="301686" cy="369332"/>
+          </a:xfrm>
+          <a:prstGeom prst="rect">
+            <a:avLst/>
+          </a:prstGeom>
+          <a:noFill/>
+        </p:spPr>
+        <p:txBody>
+          <a:bodyPr wrap="none" rtlCol="0">
+            <a:spAutoFit/>
+          </a:bodyPr>
+          <a:lstStyle/>
+          <a:p>
+            <a:r>
+              <a:rPr lang="en-US" dirty="0">
                 <a:solidFill>
                   <a:srgbClr val="FF0000"/>
                 </a:solidFill>
-              </a:endParaRPr>
-            </a:p>
-          </p:txBody>
-        </p:sp>
-        <p:sp>
-          <p:nvSpPr>
-            <p:cNvPr id="41" name="TextBox 40"/>
-            <p:cNvSpPr txBox="1"/>
-            <p:nvPr/>
-          </p:nvSpPr>
-          <p:spPr>
-            <a:xfrm>
-              <a:off x="1969563" y="304586"/>
-              <a:ext cx="301686" cy="369332"/>
-            </a:xfrm>
-            <a:prstGeom prst="rect">
-              <a:avLst/>
-            </a:prstGeom>
-            <a:noFill/>
-          </p:spPr>
-          <p:txBody>
-            <a:bodyPr wrap="none" rtlCol="0">
-              <a:spAutoFit/>
-            </a:bodyPr>
-            <a:lstStyle/>
-            <a:p>
-              <a:r>
-                <a:rPr lang="en-US" dirty="0" smtClean="0">
-                  <a:solidFill>
-                    <a:srgbClr val="FF0000"/>
-                  </a:solidFill>
-                </a:rPr>
-                <a:t>4</a:t>
-              </a:r>
-              <a:endParaRPr lang="en-US" dirty="0">
+              </a:rPr>
+              <a:t>8</a:t>
+            </a:r>
+          </a:p>
+        </p:txBody>
+      </p:sp>
+      <p:sp>
+        <p:nvSpPr>
+          <p:cNvPr id="40" name="TextBox 39"/>
+          <p:cNvSpPr txBox="1"/>
+          <p:nvPr/>
+        </p:nvSpPr>
+        <p:spPr>
+          <a:xfrm>
+            <a:off x="2532820" y="310064"/>
+            <a:ext cx="301686" cy="369332"/>
+          </a:xfrm>
+          <a:prstGeom prst="rect">
+            <a:avLst/>
+          </a:prstGeom>
+          <a:noFill/>
+        </p:spPr>
+        <p:txBody>
+          <a:bodyPr wrap="none" rtlCol="0">
+            <a:spAutoFit/>
+          </a:bodyPr>
+          <a:lstStyle/>
+          <a:p>
+            <a:r>
+              <a:rPr lang="en-US" dirty="0">
                 <a:solidFill>
                   <a:srgbClr val="FF0000"/>
                 </a:solidFill>
-              </a:endParaRPr>
-            </a:p>
-          </p:txBody>
-        </p:sp>
-        <p:sp>
-          <p:nvSpPr>
-            <p:cNvPr id="42" name="TextBox 41"/>
-            <p:cNvSpPr txBox="1"/>
-            <p:nvPr/>
-          </p:nvSpPr>
-          <p:spPr>
-            <a:xfrm>
-              <a:off x="1493518" y="304586"/>
-              <a:ext cx="301686" cy="369332"/>
-            </a:xfrm>
-            <a:prstGeom prst="rect">
-              <a:avLst/>
-            </a:prstGeom>
-            <a:noFill/>
-          </p:spPr>
-          <p:txBody>
-            <a:bodyPr wrap="none" rtlCol="0">
-              <a:spAutoFit/>
-            </a:bodyPr>
-            <a:lstStyle/>
-            <a:p>
-              <a:r>
-                <a:rPr lang="en-US" dirty="0" smtClean="0">
-                  <a:solidFill>
-                    <a:srgbClr val="FF0000"/>
-                  </a:solidFill>
-                </a:rPr>
-                <a:t>2</a:t>
-              </a:r>
-              <a:endParaRPr lang="en-US" dirty="0">
+              </a:rPr>
+              <a:t>6</a:t>
+            </a:r>
+          </a:p>
+        </p:txBody>
+      </p:sp>
+      <p:sp>
+        <p:nvSpPr>
+          <p:cNvPr id="41" name="TextBox 40"/>
+          <p:cNvSpPr txBox="1"/>
+          <p:nvPr/>
+        </p:nvSpPr>
+        <p:spPr>
+          <a:xfrm>
+            <a:off x="1969563" y="304586"/>
+            <a:ext cx="301686" cy="369332"/>
+          </a:xfrm>
+          <a:prstGeom prst="rect">
+            <a:avLst/>
+          </a:prstGeom>
+          <a:noFill/>
+        </p:spPr>
+        <p:txBody>
+          <a:bodyPr wrap="none" rtlCol="0">
+            <a:spAutoFit/>
+          </a:bodyPr>
+          <a:lstStyle/>
+          <a:p>
+            <a:r>
+              <a:rPr lang="en-US" dirty="0">
                 <a:solidFill>
                   <a:srgbClr val="FF0000"/>
                 </a:solidFill>
-              </a:endParaRPr>
-            </a:p>
-          </p:txBody>
-        </p:sp>
-      </p:grpSp>
+              </a:rPr>
+              <a:t>4</a:t>
+            </a:r>
+          </a:p>
+        </p:txBody>
+      </p:sp>
+      <p:sp>
+        <p:nvSpPr>
+          <p:cNvPr id="42" name="TextBox 41"/>
+          <p:cNvSpPr txBox="1"/>
+          <p:nvPr/>
+        </p:nvSpPr>
+        <p:spPr>
+          <a:xfrm>
+            <a:off x="1493518" y="304586"/>
+            <a:ext cx="301686" cy="369332"/>
+          </a:xfrm>
+          <a:prstGeom prst="rect">
+            <a:avLst/>
+          </a:prstGeom>
+          <a:noFill/>
+        </p:spPr>
+        <p:txBody>
+          <a:bodyPr wrap="none" rtlCol="0">
+            <a:spAutoFit/>
+          </a:bodyPr>
+          <a:lstStyle/>
+          <a:p>
+            <a:r>
+              <a:rPr lang="en-US" dirty="0">
+                <a:solidFill>
+                  <a:srgbClr val="FF0000"/>
+                </a:solidFill>
+              </a:rPr>
+              <a:t>2</a:t>
+            </a:r>
+          </a:p>
+        </p:txBody>
+      </p:sp>
       <p:grpSp>
         <p:nvGrpSpPr>
           <p:cNvPr id="3" name="Group 2"/>
@@ -7255,18 +7101,13 @@
             <a:lstStyle/>
             <a:p>
               <a:r>
-                <a:rPr lang="en-US" dirty="0" smtClean="0">
+                <a:rPr lang="en-US" dirty="0">
                   <a:solidFill>
                     <a:srgbClr val="FF0000"/>
                   </a:solidFill>
                 </a:rPr>
                 <a:t>1</a:t>
               </a:r>
-              <a:endParaRPr lang="en-US" dirty="0">
-                <a:solidFill>
-                  <a:srgbClr val="FF0000"/>
-                </a:solidFill>
-              </a:endParaRPr>
             </a:p>
           </p:txBody>
         </p:sp>
@@ -7293,18 +7134,13 @@
             <a:lstStyle/>
             <a:p>
               <a:r>
-                <a:rPr lang="en-US" dirty="0" smtClean="0">
+                <a:rPr lang="en-US" dirty="0">
                   <a:solidFill>
                     <a:srgbClr val="FF0000"/>
                   </a:solidFill>
                 </a:rPr>
                 <a:t>2</a:t>
               </a:r>
-              <a:endParaRPr lang="en-US" dirty="0">
-                <a:solidFill>
-                  <a:srgbClr val="FF0000"/>
-                </a:solidFill>
-              </a:endParaRPr>
             </a:p>
           </p:txBody>
         </p:sp>
@@ -7331,18 +7167,13 @@
             <a:lstStyle/>
             <a:p>
               <a:r>
-                <a:rPr lang="en-US" dirty="0" smtClean="0">
+                <a:rPr lang="en-US" dirty="0">
                   <a:solidFill>
                     <a:srgbClr val="FF0000"/>
                   </a:solidFill>
                 </a:rPr>
                 <a:t>3</a:t>
               </a:r>
-              <a:endParaRPr lang="en-US" dirty="0">
-                <a:solidFill>
-                  <a:srgbClr val="FF0000"/>
-                </a:solidFill>
-              </a:endParaRPr>
             </a:p>
           </p:txBody>
         </p:sp>
@@ -7369,18 +7200,13 @@
             <a:lstStyle/>
             <a:p>
               <a:r>
-                <a:rPr lang="en-US" dirty="0" smtClean="0">
+                <a:rPr lang="en-US" dirty="0">
                   <a:solidFill>
                     <a:srgbClr val="FF0000"/>
                   </a:solidFill>
                 </a:rPr>
                 <a:t>4</a:t>
               </a:r>
-              <a:endParaRPr lang="en-US" dirty="0">
-                <a:solidFill>
-                  <a:srgbClr val="FF0000"/>
-                </a:solidFill>
-              </a:endParaRPr>
             </a:p>
           </p:txBody>
         </p:sp>
@@ -7407,18 +7233,13 @@
             <a:lstStyle/>
             <a:p>
               <a:r>
-                <a:rPr lang="en-US" dirty="0" smtClean="0">
+                <a:rPr lang="en-US" dirty="0">
                   <a:solidFill>
                     <a:srgbClr val="FF0000"/>
                   </a:solidFill>
                 </a:rPr>
                 <a:t>5</a:t>
               </a:r>
-              <a:endParaRPr lang="en-US" dirty="0">
-                <a:solidFill>
-                  <a:srgbClr val="FF0000"/>
-                </a:solidFill>
-              </a:endParaRPr>
             </a:p>
           </p:txBody>
         </p:sp>
@@ -7439,7 +7260,7 @@
         </p:blipFill>
         <p:spPr>
           <a:xfrm>
-            <a:off x="2389631" y="2999740"/>
+            <a:off x="3742834" y="6847123"/>
             <a:ext cx="914400" cy="228600"/>
           </a:xfrm>
           <a:prstGeom prst="rect">
@@ -7462,7 +7283,7 @@
         </p:blipFill>
         <p:spPr>
           <a:xfrm>
-            <a:off x="4081998" y="2937877"/>
+            <a:off x="5435201" y="6785260"/>
             <a:ext cx="247650" cy="219851"/>
           </a:xfrm>
           <a:prstGeom prst="rect">
@@ -7486,7 +7307,7 @@
         </p:blipFill>
         <p:spPr>
           <a:xfrm>
-            <a:off x="704054" y="2276665"/>
+            <a:off x="1483999" y="5796166"/>
             <a:ext cx="266700" cy="238125"/>
           </a:xfrm>
           <a:prstGeom prst="rect">
@@ -7510,7 +7331,7 @@
         </p:blipFill>
         <p:spPr>
           <a:xfrm>
-            <a:off x="666021" y="3047802"/>
+            <a:off x="1445966" y="6567303"/>
             <a:ext cx="219075" cy="228600"/>
           </a:xfrm>
           <a:prstGeom prst="rect">
@@ -7534,7 +7355,7 @@
         </p:blipFill>
         <p:spPr>
           <a:xfrm>
-            <a:off x="770796" y="3589451"/>
+            <a:off x="1550741" y="7108952"/>
             <a:ext cx="228600" cy="228600"/>
           </a:xfrm>
           <a:prstGeom prst="rect">
@@ -7558,7 +7379,7 @@
         </p:blipFill>
         <p:spPr>
           <a:xfrm>
-            <a:off x="1207183" y="3538467"/>
+            <a:off x="1987128" y="7057968"/>
             <a:ext cx="238125" cy="238125"/>
           </a:xfrm>
           <a:prstGeom prst="rect">
@@ -7582,7 +7403,7 @@
         </p:blipFill>
         <p:spPr>
           <a:xfrm>
-            <a:off x="1228915" y="2740251"/>
+            <a:off x="2008860" y="6259752"/>
             <a:ext cx="209550" cy="219075"/>
           </a:xfrm>
           <a:prstGeom prst="rect">
@@ -7606,7 +7427,7 @@
         </p:blipFill>
         <p:spPr>
           <a:xfrm>
-            <a:off x="1228915" y="3037159"/>
+            <a:off x="2008860" y="6556660"/>
             <a:ext cx="209550" cy="228600"/>
           </a:xfrm>
           <a:prstGeom prst="rect">
@@ -7630,7 +7451,7 @@
         </p:blipFill>
         <p:spPr>
           <a:xfrm>
-            <a:off x="888141" y="3950705"/>
+            <a:off x="2241344" y="7798088"/>
             <a:ext cx="457200" cy="219075"/>
           </a:xfrm>
           <a:prstGeom prst="rect">
@@ -7654,7 +7475,7 @@
         </p:blipFill>
         <p:spPr>
           <a:xfrm>
-            <a:off x="1674114" y="3198187"/>
+            <a:off x="2454059" y="6717688"/>
             <a:ext cx="209550" cy="219075"/>
           </a:xfrm>
           <a:prstGeom prst="rect">
@@ -7678,7 +7499,7 @@
         </p:blipFill>
         <p:spPr>
           <a:xfrm>
-            <a:off x="252871" y="2640238"/>
+            <a:off x="1032816" y="6159739"/>
             <a:ext cx="219075" cy="209550"/>
           </a:xfrm>
           <a:prstGeom prst="rect">
@@ -7702,8 +7523,1302 @@
         </p:blipFill>
         <p:spPr>
           <a:xfrm>
-            <a:off x="1284762" y="2127987"/>
+            <a:off x="2637965" y="5975370"/>
             <a:ext cx="219075" cy="219075"/>
+          </a:xfrm>
+          <a:prstGeom prst="rect">
+            <a:avLst/>
+          </a:prstGeom>
+        </p:spPr>
+      </p:pic>
+      <p:grpSp>
+        <p:nvGrpSpPr>
+          <p:cNvPr id="105" name="Group 104"/>
+          <p:cNvGrpSpPr/>
+          <p:nvPr/>
+        </p:nvGrpSpPr>
+        <p:grpSpPr>
+          <a:xfrm>
+            <a:off x="1268262" y="2193411"/>
+            <a:ext cx="4375530" cy="1556848"/>
+            <a:chOff x="1268262" y="2193411"/>
+            <a:chExt cx="4375530" cy="1556848"/>
+          </a:xfrm>
+        </p:grpSpPr>
+        <p:pic>
+          <p:nvPicPr>
+            <p:cNvPr id="61" name="Picture 60"/>
+            <p:cNvPicPr>
+              <a:picLocks noChangeAspect="1"/>
+            </p:cNvPicPr>
+            <p:nvPr/>
+          </p:nvPicPr>
+          <p:blipFill>
+            <a:blip r:embed="rId16"/>
+            <a:stretch>
+              <a:fillRect/>
+            </a:stretch>
+          </p:blipFill>
+          <p:spPr>
+            <a:xfrm>
+              <a:off x="1333690" y="2851358"/>
+              <a:ext cx="4245419" cy="232753"/>
+            </a:xfrm>
+            <a:prstGeom prst="rect">
+              <a:avLst/>
+            </a:prstGeom>
+          </p:spPr>
+        </p:pic>
+        <p:cxnSp>
+          <p:nvCxnSpPr>
+            <p:cNvPr id="70" name="Straight Arrow Connector 69"/>
+            <p:cNvCxnSpPr/>
+            <p:nvPr/>
+          </p:nvCxnSpPr>
+          <p:spPr>
+            <a:xfrm flipV="1">
+              <a:off x="1419105" y="3071068"/>
+              <a:ext cx="0" cy="363854"/>
+            </a:xfrm>
+            <a:prstGeom prst="straightConnector1">
+              <a:avLst/>
+            </a:prstGeom>
+            <a:ln>
+              <a:solidFill>
+                <a:srgbClr val="FF0000"/>
+              </a:solidFill>
+              <a:tailEnd type="triangle"/>
+            </a:ln>
+          </p:spPr>
+          <p:style>
+            <a:lnRef idx="3">
+              <a:schemeClr val="dk1"/>
+            </a:lnRef>
+            <a:fillRef idx="0">
+              <a:schemeClr val="dk1"/>
+            </a:fillRef>
+            <a:effectRef idx="2">
+              <a:schemeClr val="dk1"/>
+            </a:effectRef>
+            <a:fontRef idx="minor">
+              <a:schemeClr val="tx1"/>
+            </a:fontRef>
+          </p:style>
+        </p:cxnSp>
+        <p:cxnSp>
+          <p:nvCxnSpPr>
+            <p:cNvPr id="71" name="Straight Arrow Connector 70"/>
+            <p:cNvCxnSpPr/>
+            <p:nvPr/>
+          </p:nvCxnSpPr>
+          <p:spPr>
+            <a:xfrm flipV="1">
+              <a:off x="1851921" y="3071068"/>
+              <a:ext cx="0" cy="363854"/>
+            </a:xfrm>
+            <a:prstGeom prst="straightConnector1">
+              <a:avLst/>
+            </a:prstGeom>
+            <a:ln>
+              <a:solidFill>
+                <a:srgbClr val="FF0000"/>
+              </a:solidFill>
+              <a:tailEnd type="triangle"/>
+            </a:ln>
+          </p:spPr>
+          <p:style>
+            <a:lnRef idx="3">
+              <a:schemeClr val="dk1"/>
+            </a:lnRef>
+            <a:fillRef idx="0">
+              <a:schemeClr val="dk1"/>
+            </a:fillRef>
+            <a:effectRef idx="2">
+              <a:schemeClr val="dk1"/>
+            </a:effectRef>
+            <a:fontRef idx="minor">
+              <a:schemeClr val="tx1"/>
+            </a:fontRef>
+          </p:style>
+        </p:cxnSp>
+        <p:cxnSp>
+          <p:nvCxnSpPr>
+            <p:cNvPr id="72" name="Straight Arrow Connector 71"/>
+            <p:cNvCxnSpPr/>
+            <p:nvPr/>
+          </p:nvCxnSpPr>
+          <p:spPr>
+            <a:xfrm>
+              <a:off x="1614177" y="2508331"/>
+              <a:ext cx="0" cy="363854"/>
+            </a:xfrm>
+            <a:prstGeom prst="straightConnector1">
+              <a:avLst/>
+            </a:prstGeom>
+            <a:ln>
+              <a:solidFill>
+                <a:srgbClr val="FF0000"/>
+              </a:solidFill>
+              <a:tailEnd type="triangle"/>
+            </a:ln>
+          </p:spPr>
+          <p:style>
+            <a:lnRef idx="3">
+              <a:schemeClr val="dk1"/>
+            </a:lnRef>
+            <a:fillRef idx="0">
+              <a:schemeClr val="dk1"/>
+            </a:fillRef>
+            <a:effectRef idx="2">
+              <a:schemeClr val="dk1"/>
+            </a:effectRef>
+            <a:fontRef idx="minor">
+              <a:schemeClr val="tx1"/>
+            </a:fontRef>
+          </p:style>
+        </p:cxnSp>
+        <p:cxnSp>
+          <p:nvCxnSpPr>
+            <p:cNvPr id="73" name="Straight Arrow Connector 72"/>
+            <p:cNvCxnSpPr/>
+            <p:nvPr/>
+          </p:nvCxnSpPr>
+          <p:spPr>
+            <a:xfrm>
+              <a:off x="2089665" y="2508331"/>
+              <a:ext cx="0" cy="363854"/>
+            </a:xfrm>
+            <a:prstGeom prst="straightConnector1">
+              <a:avLst/>
+            </a:prstGeom>
+            <a:ln>
+              <a:solidFill>
+                <a:srgbClr val="FF0000"/>
+              </a:solidFill>
+              <a:tailEnd type="triangle"/>
+            </a:ln>
+          </p:spPr>
+          <p:style>
+            <a:lnRef idx="3">
+              <a:schemeClr val="dk1"/>
+            </a:lnRef>
+            <a:fillRef idx="0">
+              <a:schemeClr val="dk1"/>
+            </a:fillRef>
+            <a:effectRef idx="2">
+              <a:schemeClr val="dk1"/>
+            </a:effectRef>
+            <a:fontRef idx="minor">
+              <a:schemeClr val="tx1"/>
+            </a:fontRef>
+          </p:style>
+        </p:cxnSp>
+        <p:sp>
+          <p:nvSpPr>
+            <p:cNvPr id="74" name="TextBox 73"/>
+            <p:cNvSpPr txBox="1"/>
+            <p:nvPr/>
+          </p:nvSpPr>
+          <p:spPr>
+            <a:xfrm>
+              <a:off x="1707174" y="3373962"/>
+              <a:ext cx="301686" cy="369332"/>
+            </a:xfrm>
+            <a:prstGeom prst="rect">
+              <a:avLst/>
+            </a:prstGeom>
+            <a:noFill/>
+          </p:spPr>
+          <p:txBody>
+            <a:bodyPr wrap="none" rtlCol="0">
+              <a:spAutoFit/>
+            </a:bodyPr>
+            <a:lstStyle/>
+            <a:p>
+              <a:r>
+                <a:rPr lang="en-US" dirty="0">
+                  <a:solidFill>
+                    <a:srgbClr val="FF0000"/>
+                  </a:solidFill>
+                </a:rPr>
+                <a:t>3</a:t>
+              </a:r>
+            </a:p>
+          </p:txBody>
+        </p:sp>
+        <p:sp>
+          <p:nvSpPr>
+            <p:cNvPr id="75" name="TextBox 74"/>
+            <p:cNvSpPr txBox="1"/>
+            <p:nvPr/>
+          </p:nvSpPr>
+          <p:spPr>
+            <a:xfrm>
+              <a:off x="1268262" y="3367864"/>
+              <a:ext cx="301686" cy="369332"/>
+            </a:xfrm>
+            <a:prstGeom prst="rect">
+              <a:avLst/>
+            </a:prstGeom>
+            <a:noFill/>
+          </p:spPr>
+          <p:txBody>
+            <a:bodyPr wrap="none" rtlCol="0">
+              <a:spAutoFit/>
+            </a:bodyPr>
+            <a:lstStyle/>
+            <a:p>
+              <a:r>
+                <a:rPr lang="en-US" dirty="0">
+                  <a:solidFill>
+                    <a:srgbClr val="FF0000"/>
+                  </a:solidFill>
+                </a:rPr>
+                <a:t>1</a:t>
+              </a:r>
+            </a:p>
+          </p:txBody>
+        </p:sp>
+        <p:sp>
+          <p:nvSpPr>
+            <p:cNvPr id="76" name="TextBox 75"/>
+            <p:cNvSpPr txBox="1"/>
+            <p:nvPr/>
+          </p:nvSpPr>
+          <p:spPr>
+            <a:xfrm>
+              <a:off x="1937820" y="2193411"/>
+              <a:ext cx="301686" cy="369332"/>
+            </a:xfrm>
+            <a:prstGeom prst="rect">
+              <a:avLst/>
+            </a:prstGeom>
+            <a:noFill/>
+          </p:spPr>
+          <p:txBody>
+            <a:bodyPr wrap="none" rtlCol="0">
+              <a:spAutoFit/>
+            </a:bodyPr>
+            <a:lstStyle/>
+            <a:p>
+              <a:r>
+                <a:rPr lang="en-US" dirty="0">
+                  <a:solidFill>
+                    <a:srgbClr val="FF0000"/>
+                  </a:solidFill>
+                </a:rPr>
+                <a:t>4</a:t>
+              </a:r>
+            </a:p>
+          </p:txBody>
+        </p:sp>
+        <p:sp>
+          <p:nvSpPr>
+            <p:cNvPr id="77" name="TextBox 76"/>
+            <p:cNvSpPr txBox="1"/>
+            <p:nvPr/>
+          </p:nvSpPr>
+          <p:spPr>
+            <a:xfrm>
+              <a:off x="1461775" y="2193411"/>
+              <a:ext cx="301686" cy="369332"/>
+            </a:xfrm>
+            <a:prstGeom prst="rect">
+              <a:avLst/>
+            </a:prstGeom>
+            <a:noFill/>
+          </p:spPr>
+          <p:txBody>
+            <a:bodyPr wrap="none" rtlCol="0">
+              <a:spAutoFit/>
+            </a:bodyPr>
+            <a:lstStyle/>
+            <a:p>
+              <a:r>
+                <a:rPr lang="en-US" dirty="0">
+                  <a:solidFill>
+                    <a:srgbClr val="FF0000"/>
+                  </a:solidFill>
+                </a:rPr>
+                <a:t>2</a:t>
+              </a:r>
+            </a:p>
+          </p:txBody>
+        </p:sp>
+        <p:cxnSp>
+          <p:nvCxnSpPr>
+            <p:cNvPr id="78" name="Straight Arrow Connector 77"/>
+            <p:cNvCxnSpPr/>
+            <p:nvPr/>
+          </p:nvCxnSpPr>
+          <p:spPr>
+            <a:xfrm flipV="1">
+              <a:off x="2288307" y="3073271"/>
+              <a:ext cx="0" cy="363854"/>
+            </a:xfrm>
+            <a:prstGeom prst="straightConnector1">
+              <a:avLst/>
+            </a:prstGeom>
+            <a:ln>
+              <a:solidFill>
+                <a:srgbClr val="FF0000"/>
+              </a:solidFill>
+              <a:tailEnd type="triangle"/>
+            </a:ln>
+          </p:spPr>
+          <p:style>
+            <a:lnRef idx="3">
+              <a:schemeClr val="dk1"/>
+            </a:lnRef>
+            <a:fillRef idx="0">
+              <a:schemeClr val="dk1"/>
+            </a:fillRef>
+            <a:effectRef idx="2">
+              <a:schemeClr val="dk1"/>
+            </a:effectRef>
+            <a:fontRef idx="minor">
+              <a:schemeClr val="tx1"/>
+            </a:fontRef>
+          </p:style>
+        </p:cxnSp>
+        <p:cxnSp>
+          <p:nvCxnSpPr>
+            <p:cNvPr id="79" name="Straight Arrow Connector 78"/>
+            <p:cNvCxnSpPr/>
+            <p:nvPr/>
+          </p:nvCxnSpPr>
+          <p:spPr>
+            <a:xfrm flipV="1">
+              <a:off x="2751977" y="3072318"/>
+              <a:ext cx="0" cy="363854"/>
+            </a:xfrm>
+            <a:prstGeom prst="straightConnector1">
+              <a:avLst/>
+            </a:prstGeom>
+            <a:ln>
+              <a:solidFill>
+                <a:srgbClr val="FF0000"/>
+              </a:solidFill>
+              <a:tailEnd type="triangle"/>
+            </a:ln>
+          </p:spPr>
+          <p:style>
+            <a:lnRef idx="3">
+              <a:schemeClr val="dk1"/>
+            </a:lnRef>
+            <a:fillRef idx="0">
+              <a:schemeClr val="dk1"/>
+            </a:fillRef>
+            <a:effectRef idx="2">
+              <a:schemeClr val="dk1"/>
+            </a:effectRef>
+            <a:fontRef idx="minor">
+              <a:schemeClr val="tx1"/>
+            </a:fontRef>
+          </p:style>
+        </p:cxnSp>
+        <p:cxnSp>
+          <p:nvCxnSpPr>
+            <p:cNvPr id="80" name="Straight Arrow Connector 79"/>
+            <p:cNvCxnSpPr/>
+            <p:nvPr/>
+          </p:nvCxnSpPr>
+          <p:spPr>
+            <a:xfrm flipV="1">
+              <a:off x="3257945" y="3072318"/>
+              <a:ext cx="0" cy="363854"/>
+            </a:xfrm>
+            <a:prstGeom prst="straightConnector1">
+              <a:avLst/>
+            </a:prstGeom>
+            <a:ln>
+              <a:solidFill>
+                <a:srgbClr val="FF0000"/>
+              </a:solidFill>
+              <a:tailEnd type="triangle"/>
+            </a:ln>
+          </p:spPr>
+          <p:style>
+            <a:lnRef idx="3">
+              <a:schemeClr val="dk1"/>
+            </a:lnRef>
+            <a:fillRef idx="0">
+              <a:schemeClr val="dk1"/>
+            </a:fillRef>
+            <a:effectRef idx="2">
+              <a:schemeClr val="dk1"/>
+            </a:effectRef>
+            <a:fontRef idx="minor">
+              <a:schemeClr val="tx1"/>
+            </a:fontRef>
+          </p:style>
+        </p:cxnSp>
+        <p:cxnSp>
+          <p:nvCxnSpPr>
+            <p:cNvPr id="81" name="Straight Arrow Connector 80"/>
+            <p:cNvCxnSpPr/>
+            <p:nvPr/>
+          </p:nvCxnSpPr>
+          <p:spPr>
+            <a:xfrm flipH="1" flipV="1">
+              <a:off x="4014234" y="3072318"/>
+              <a:ext cx="85344" cy="363854"/>
+            </a:xfrm>
+            <a:prstGeom prst="straightConnector1">
+              <a:avLst/>
+            </a:prstGeom>
+            <a:ln>
+              <a:solidFill>
+                <a:srgbClr val="FF0000"/>
+              </a:solidFill>
+              <a:tailEnd type="triangle"/>
+            </a:ln>
+          </p:spPr>
+          <p:style>
+            <a:lnRef idx="3">
+              <a:schemeClr val="dk1"/>
+            </a:lnRef>
+            <a:fillRef idx="0">
+              <a:schemeClr val="dk1"/>
+            </a:fillRef>
+            <a:effectRef idx="2">
+              <a:schemeClr val="dk1"/>
+            </a:effectRef>
+            <a:fontRef idx="minor">
+              <a:schemeClr val="tx1"/>
+            </a:fontRef>
+          </p:style>
+        </p:cxnSp>
+        <p:cxnSp>
+          <p:nvCxnSpPr>
+            <p:cNvPr id="82" name="Straight Arrow Connector 81"/>
+            <p:cNvCxnSpPr/>
+            <p:nvPr/>
+          </p:nvCxnSpPr>
+          <p:spPr>
+            <a:xfrm flipV="1">
+              <a:off x="4099578" y="3072318"/>
+              <a:ext cx="128016" cy="363854"/>
+            </a:xfrm>
+            <a:prstGeom prst="straightConnector1">
+              <a:avLst/>
+            </a:prstGeom>
+            <a:ln>
+              <a:solidFill>
+                <a:srgbClr val="FF0000"/>
+              </a:solidFill>
+              <a:tailEnd type="triangle"/>
+            </a:ln>
+          </p:spPr>
+          <p:style>
+            <a:lnRef idx="3">
+              <a:schemeClr val="dk1"/>
+            </a:lnRef>
+            <a:fillRef idx="0">
+              <a:schemeClr val="dk1"/>
+            </a:fillRef>
+            <a:effectRef idx="2">
+              <a:schemeClr val="dk1"/>
+            </a:effectRef>
+            <a:fontRef idx="minor">
+              <a:schemeClr val="tx1"/>
+            </a:fontRef>
+          </p:style>
+        </p:cxnSp>
+        <p:cxnSp>
+          <p:nvCxnSpPr>
+            <p:cNvPr id="83" name="Straight Arrow Connector 82"/>
+            <p:cNvCxnSpPr/>
+            <p:nvPr/>
+          </p:nvCxnSpPr>
+          <p:spPr>
+            <a:xfrm flipV="1">
+              <a:off x="4714513" y="3072318"/>
+              <a:ext cx="0" cy="363854"/>
+            </a:xfrm>
+            <a:prstGeom prst="straightConnector1">
+              <a:avLst/>
+            </a:prstGeom>
+            <a:ln>
+              <a:solidFill>
+                <a:srgbClr val="FF0000"/>
+              </a:solidFill>
+              <a:tailEnd type="triangle"/>
+            </a:ln>
+          </p:spPr>
+          <p:style>
+            <a:lnRef idx="3">
+              <a:schemeClr val="dk1"/>
+            </a:lnRef>
+            <a:fillRef idx="0">
+              <a:schemeClr val="dk1"/>
+            </a:fillRef>
+            <a:effectRef idx="2">
+              <a:schemeClr val="dk1"/>
+            </a:effectRef>
+            <a:fontRef idx="minor">
+              <a:schemeClr val="tx1"/>
+            </a:fontRef>
+          </p:style>
+        </p:cxnSp>
+        <p:cxnSp>
+          <p:nvCxnSpPr>
+            <p:cNvPr id="84" name="Straight Arrow Connector 83"/>
+            <p:cNvCxnSpPr/>
+            <p:nvPr/>
+          </p:nvCxnSpPr>
+          <p:spPr>
+            <a:xfrm flipV="1">
+              <a:off x="5232673" y="3072318"/>
+              <a:ext cx="0" cy="363854"/>
+            </a:xfrm>
+            <a:prstGeom prst="straightConnector1">
+              <a:avLst/>
+            </a:prstGeom>
+            <a:ln>
+              <a:solidFill>
+                <a:srgbClr val="FF0000"/>
+              </a:solidFill>
+              <a:tailEnd type="triangle"/>
+            </a:ln>
+          </p:spPr>
+          <p:style>
+            <a:lnRef idx="3">
+              <a:schemeClr val="dk1"/>
+            </a:lnRef>
+            <a:fillRef idx="0">
+              <a:schemeClr val="dk1"/>
+            </a:fillRef>
+            <a:effectRef idx="2">
+              <a:schemeClr val="dk1"/>
+            </a:effectRef>
+            <a:fontRef idx="minor">
+              <a:schemeClr val="tx1"/>
+            </a:fontRef>
+          </p:style>
+        </p:cxnSp>
+        <p:cxnSp>
+          <p:nvCxnSpPr>
+            <p:cNvPr id="85" name="Straight Arrow Connector 84"/>
+            <p:cNvCxnSpPr/>
+            <p:nvPr/>
+          </p:nvCxnSpPr>
+          <p:spPr>
+            <a:xfrm>
+              <a:off x="2514233" y="2509581"/>
+              <a:ext cx="0" cy="363854"/>
+            </a:xfrm>
+            <a:prstGeom prst="straightConnector1">
+              <a:avLst/>
+            </a:prstGeom>
+            <a:ln>
+              <a:solidFill>
+                <a:srgbClr val="FF0000"/>
+              </a:solidFill>
+              <a:tailEnd type="triangle"/>
+            </a:ln>
+          </p:spPr>
+          <p:style>
+            <a:lnRef idx="3">
+              <a:schemeClr val="dk1"/>
+            </a:lnRef>
+            <a:fillRef idx="0">
+              <a:schemeClr val="dk1"/>
+            </a:fillRef>
+            <a:effectRef idx="2">
+              <a:schemeClr val="dk1"/>
+            </a:effectRef>
+            <a:fontRef idx="minor">
+              <a:schemeClr val="tx1"/>
+            </a:fontRef>
+          </p:style>
+        </p:cxnSp>
+        <p:cxnSp>
+          <p:nvCxnSpPr>
+            <p:cNvPr id="86" name="Straight Arrow Connector 85"/>
+            <p:cNvCxnSpPr/>
+            <p:nvPr/>
+          </p:nvCxnSpPr>
+          <p:spPr>
+            <a:xfrm>
+              <a:off x="2977529" y="2509581"/>
+              <a:ext cx="0" cy="363854"/>
+            </a:xfrm>
+            <a:prstGeom prst="straightConnector1">
+              <a:avLst/>
+            </a:prstGeom>
+            <a:ln>
+              <a:solidFill>
+                <a:srgbClr val="FF0000"/>
+              </a:solidFill>
+              <a:tailEnd type="triangle"/>
+            </a:ln>
+          </p:spPr>
+          <p:style>
+            <a:lnRef idx="3">
+              <a:schemeClr val="dk1"/>
+            </a:lnRef>
+            <a:fillRef idx="0">
+              <a:schemeClr val="dk1"/>
+            </a:fillRef>
+            <a:effectRef idx="2">
+              <a:schemeClr val="dk1"/>
+            </a:effectRef>
+            <a:fontRef idx="minor">
+              <a:schemeClr val="tx1"/>
+            </a:fontRef>
+          </p:style>
+        </p:cxnSp>
+        <p:cxnSp>
+          <p:nvCxnSpPr>
+            <p:cNvPr id="87" name="Straight Arrow Connector 86"/>
+            <p:cNvCxnSpPr/>
+            <p:nvPr/>
+          </p:nvCxnSpPr>
+          <p:spPr>
+            <a:xfrm>
+              <a:off x="3501980" y="2509581"/>
+              <a:ext cx="0" cy="363854"/>
+            </a:xfrm>
+            <a:prstGeom prst="straightConnector1">
+              <a:avLst/>
+            </a:prstGeom>
+            <a:ln>
+              <a:solidFill>
+                <a:srgbClr val="FF0000"/>
+              </a:solidFill>
+              <a:tailEnd type="triangle"/>
+            </a:ln>
+          </p:spPr>
+          <p:style>
+            <a:lnRef idx="3">
+              <a:schemeClr val="dk1"/>
+            </a:lnRef>
+            <a:fillRef idx="0">
+              <a:schemeClr val="dk1"/>
+            </a:fillRef>
+            <a:effectRef idx="2">
+              <a:schemeClr val="dk1"/>
+            </a:effectRef>
+            <a:fontRef idx="minor">
+              <a:schemeClr val="tx1"/>
+            </a:fontRef>
+          </p:style>
+        </p:cxnSp>
+        <p:cxnSp>
+          <p:nvCxnSpPr>
+            <p:cNvPr id="88" name="Straight Arrow Connector 87"/>
+            <p:cNvCxnSpPr/>
+            <p:nvPr/>
+          </p:nvCxnSpPr>
+          <p:spPr>
+            <a:xfrm>
+              <a:off x="4402848" y="2509581"/>
+              <a:ext cx="0" cy="363854"/>
+            </a:xfrm>
+            <a:prstGeom prst="straightConnector1">
+              <a:avLst/>
+            </a:prstGeom>
+            <a:ln>
+              <a:solidFill>
+                <a:srgbClr val="FF0000"/>
+              </a:solidFill>
+              <a:tailEnd type="triangle"/>
+            </a:ln>
+          </p:spPr>
+          <p:style>
+            <a:lnRef idx="3">
+              <a:schemeClr val="dk1"/>
+            </a:lnRef>
+            <a:fillRef idx="0">
+              <a:schemeClr val="dk1"/>
+            </a:fillRef>
+            <a:effectRef idx="2">
+              <a:schemeClr val="dk1"/>
+            </a:effectRef>
+            <a:fontRef idx="minor">
+              <a:schemeClr val="tx1"/>
+            </a:fontRef>
+          </p:style>
+        </p:cxnSp>
+        <p:cxnSp>
+          <p:nvCxnSpPr>
+            <p:cNvPr id="89" name="Straight Arrow Connector 88"/>
+            <p:cNvCxnSpPr/>
+            <p:nvPr/>
+          </p:nvCxnSpPr>
+          <p:spPr>
+            <a:xfrm>
+              <a:off x="4927104" y="2509581"/>
+              <a:ext cx="0" cy="363854"/>
+            </a:xfrm>
+            <a:prstGeom prst="straightConnector1">
+              <a:avLst/>
+            </a:prstGeom>
+            <a:ln>
+              <a:solidFill>
+                <a:srgbClr val="FF0000"/>
+              </a:solidFill>
+              <a:tailEnd type="triangle"/>
+            </a:ln>
+          </p:spPr>
+          <p:style>
+            <a:lnRef idx="3">
+              <a:schemeClr val="dk1"/>
+            </a:lnRef>
+            <a:fillRef idx="0">
+              <a:schemeClr val="dk1"/>
+            </a:fillRef>
+            <a:effectRef idx="2">
+              <a:schemeClr val="dk1"/>
+            </a:effectRef>
+            <a:fontRef idx="minor">
+              <a:schemeClr val="tx1"/>
+            </a:fontRef>
+          </p:style>
+        </p:cxnSp>
+        <p:cxnSp>
+          <p:nvCxnSpPr>
+            <p:cNvPr id="90" name="Straight Arrow Connector 89"/>
+            <p:cNvCxnSpPr/>
+            <p:nvPr/>
+          </p:nvCxnSpPr>
+          <p:spPr>
+            <a:xfrm>
+              <a:off x="5433072" y="2509581"/>
+              <a:ext cx="0" cy="363854"/>
+            </a:xfrm>
+            <a:prstGeom prst="straightConnector1">
+              <a:avLst/>
+            </a:prstGeom>
+            <a:ln>
+              <a:solidFill>
+                <a:srgbClr val="FF0000"/>
+              </a:solidFill>
+              <a:tailEnd type="triangle"/>
+            </a:ln>
+          </p:spPr>
+          <p:style>
+            <a:lnRef idx="3">
+              <a:schemeClr val="dk1"/>
+            </a:lnRef>
+            <a:fillRef idx="0">
+              <a:schemeClr val="dk1"/>
+            </a:fillRef>
+            <a:effectRef idx="2">
+              <a:schemeClr val="dk1"/>
+            </a:effectRef>
+            <a:fontRef idx="minor">
+              <a:schemeClr val="tx1"/>
+            </a:fontRef>
+          </p:style>
+        </p:cxnSp>
+        <p:sp>
+          <p:nvSpPr>
+            <p:cNvPr id="91" name="TextBox 90"/>
+            <p:cNvSpPr txBox="1"/>
+            <p:nvPr/>
+          </p:nvSpPr>
+          <p:spPr>
+            <a:xfrm>
+              <a:off x="2131367" y="3369115"/>
+              <a:ext cx="301686" cy="369332"/>
+            </a:xfrm>
+            <a:prstGeom prst="rect">
+              <a:avLst/>
+            </a:prstGeom>
+            <a:noFill/>
+          </p:spPr>
+          <p:txBody>
+            <a:bodyPr wrap="none" rtlCol="0">
+              <a:spAutoFit/>
+            </a:bodyPr>
+            <a:lstStyle/>
+            <a:p>
+              <a:r>
+                <a:rPr lang="en-US" dirty="0">
+                  <a:solidFill>
+                    <a:srgbClr val="FF0000"/>
+                  </a:solidFill>
+                </a:rPr>
+                <a:t>5</a:t>
+              </a:r>
+            </a:p>
+          </p:txBody>
+        </p:sp>
+        <p:sp>
+          <p:nvSpPr>
+            <p:cNvPr id="92" name="TextBox 91"/>
+            <p:cNvSpPr txBox="1"/>
+            <p:nvPr/>
+          </p:nvSpPr>
+          <p:spPr>
+            <a:xfrm>
+              <a:off x="2601134" y="3369115"/>
+              <a:ext cx="301686" cy="369332"/>
+            </a:xfrm>
+            <a:prstGeom prst="rect">
+              <a:avLst/>
+            </a:prstGeom>
+            <a:noFill/>
+          </p:spPr>
+          <p:txBody>
+            <a:bodyPr wrap="none" rtlCol="0">
+              <a:spAutoFit/>
+            </a:bodyPr>
+            <a:lstStyle/>
+            <a:p>
+              <a:r>
+                <a:rPr lang="en-US" dirty="0">
+                  <a:solidFill>
+                    <a:srgbClr val="FF0000"/>
+                  </a:solidFill>
+                </a:rPr>
+                <a:t>7</a:t>
+              </a:r>
+            </a:p>
+          </p:txBody>
+        </p:sp>
+        <p:sp>
+          <p:nvSpPr>
+            <p:cNvPr id="93" name="TextBox 92"/>
+            <p:cNvSpPr txBox="1"/>
+            <p:nvPr/>
+          </p:nvSpPr>
+          <p:spPr>
+            <a:xfrm>
+              <a:off x="3104051" y="3380927"/>
+              <a:ext cx="301686" cy="369332"/>
+            </a:xfrm>
+            <a:prstGeom prst="rect">
+              <a:avLst/>
+            </a:prstGeom>
+            <a:noFill/>
+          </p:spPr>
+          <p:txBody>
+            <a:bodyPr wrap="none" rtlCol="0">
+              <a:spAutoFit/>
+            </a:bodyPr>
+            <a:lstStyle/>
+            <a:p>
+              <a:r>
+                <a:rPr lang="en-US" dirty="0">
+                  <a:solidFill>
+                    <a:srgbClr val="FF0000"/>
+                  </a:solidFill>
+                </a:rPr>
+                <a:t>9</a:t>
+              </a:r>
+            </a:p>
+          </p:txBody>
+        </p:sp>
+        <p:sp>
+          <p:nvSpPr>
+            <p:cNvPr id="94" name="TextBox 93"/>
+            <p:cNvSpPr txBox="1"/>
+            <p:nvPr/>
+          </p:nvSpPr>
+          <p:spPr>
+            <a:xfrm>
+              <a:off x="3496287" y="3369114"/>
+              <a:ext cx="418704" cy="369332"/>
+            </a:xfrm>
+            <a:prstGeom prst="rect">
+              <a:avLst/>
+            </a:prstGeom>
+            <a:noFill/>
+          </p:spPr>
+          <p:txBody>
+            <a:bodyPr wrap="none" rtlCol="0">
+              <a:spAutoFit/>
+            </a:bodyPr>
+            <a:lstStyle/>
+            <a:p>
+              <a:r>
+                <a:rPr lang="en-US" dirty="0">
+                  <a:solidFill>
+                    <a:srgbClr val="FF0000"/>
+                  </a:solidFill>
+                </a:rPr>
+                <a:t>11</a:t>
+              </a:r>
+            </a:p>
+          </p:txBody>
+        </p:sp>
+        <p:sp>
+          <p:nvSpPr>
+            <p:cNvPr id="95" name="TextBox 94"/>
+            <p:cNvSpPr txBox="1"/>
+            <p:nvPr/>
+          </p:nvSpPr>
+          <p:spPr>
+            <a:xfrm>
+              <a:off x="4494004" y="3369114"/>
+              <a:ext cx="418704" cy="369332"/>
+            </a:xfrm>
+            <a:prstGeom prst="rect">
+              <a:avLst/>
+            </a:prstGeom>
+            <a:noFill/>
+          </p:spPr>
+          <p:txBody>
+            <a:bodyPr wrap="none" rtlCol="0">
+              <a:spAutoFit/>
+            </a:bodyPr>
+            <a:lstStyle/>
+            <a:p>
+              <a:r>
+                <a:rPr lang="en-US" dirty="0">
+                  <a:solidFill>
+                    <a:srgbClr val="FF0000"/>
+                  </a:solidFill>
+                </a:rPr>
+                <a:t>14</a:t>
+              </a:r>
+            </a:p>
+          </p:txBody>
+        </p:sp>
+        <p:sp>
+          <p:nvSpPr>
+            <p:cNvPr id="96" name="TextBox 95"/>
+            <p:cNvSpPr txBox="1"/>
+            <p:nvPr/>
+          </p:nvSpPr>
+          <p:spPr>
+            <a:xfrm>
+              <a:off x="5081830" y="3369114"/>
+              <a:ext cx="418704" cy="369332"/>
+            </a:xfrm>
+            <a:prstGeom prst="rect">
+              <a:avLst/>
+            </a:prstGeom>
+            <a:noFill/>
+          </p:spPr>
+          <p:txBody>
+            <a:bodyPr wrap="none" rtlCol="0">
+              <a:spAutoFit/>
+            </a:bodyPr>
+            <a:lstStyle/>
+            <a:p>
+              <a:r>
+                <a:rPr lang="en-US" dirty="0">
+                  <a:solidFill>
+                    <a:srgbClr val="FF0000"/>
+                  </a:solidFill>
+                </a:rPr>
+                <a:t>16</a:t>
+              </a:r>
+            </a:p>
+          </p:txBody>
+        </p:sp>
+        <p:sp>
+          <p:nvSpPr>
+            <p:cNvPr id="97" name="TextBox 96"/>
+            <p:cNvSpPr txBox="1"/>
+            <p:nvPr/>
+          </p:nvSpPr>
+          <p:spPr>
+            <a:xfrm>
+              <a:off x="5225088" y="2200139"/>
+              <a:ext cx="418704" cy="369332"/>
+            </a:xfrm>
+            <a:prstGeom prst="rect">
+              <a:avLst/>
+            </a:prstGeom>
+            <a:noFill/>
+          </p:spPr>
+          <p:txBody>
+            <a:bodyPr wrap="none" rtlCol="0">
+              <a:spAutoFit/>
+            </a:bodyPr>
+            <a:lstStyle/>
+            <a:p>
+              <a:r>
+                <a:rPr lang="en-US" dirty="0">
+                  <a:solidFill>
+                    <a:srgbClr val="FF0000"/>
+                  </a:solidFill>
+                </a:rPr>
+                <a:t>17</a:t>
+              </a:r>
+            </a:p>
+          </p:txBody>
+        </p:sp>
+        <p:sp>
+          <p:nvSpPr>
+            <p:cNvPr id="98" name="TextBox 97"/>
+            <p:cNvSpPr txBox="1"/>
+            <p:nvPr/>
+          </p:nvSpPr>
+          <p:spPr>
+            <a:xfrm>
+              <a:off x="4720951" y="2200139"/>
+              <a:ext cx="418704" cy="369332"/>
+            </a:xfrm>
+            <a:prstGeom prst="rect">
+              <a:avLst/>
+            </a:prstGeom>
+            <a:noFill/>
+          </p:spPr>
+          <p:txBody>
+            <a:bodyPr wrap="none" rtlCol="0">
+              <a:spAutoFit/>
+            </a:bodyPr>
+            <a:lstStyle/>
+            <a:p>
+              <a:r>
+                <a:rPr lang="en-US" dirty="0">
+                  <a:solidFill>
+                    <a:srgbClr val="FF0000"/>
+                  </a:solidFill>
+                </a:rPr>
+                <a:t>15</a:t>
+              </a:r>
+            </a:p>
+          </p:txBody>
+        </p:sp>
+        <p:sp>
+          <p:nvSpPr>
+            <p:cNvPr id="99" name="TextBox 98"/>
+            <p:cNvSpPr txBox="1"/>
+            <p:nvPr/>
+          </p:nvSpPr>
+          <p:spPr>
+            <a:xfrm>
+              <a:off x="4191165" y="2200139"/>
+              <a:ext cx="418704" cy="369332"/>
+            </a:xfrm>
+            <a:prstGeom prst="rect">
+              <a:avLst/>
+            </a:prstGeom>
+            <a:noFill/>
+          </p:spPr>
+          <p:txBody>
+            <a:bodyPr wrap="none" rtlCol="0">
+              <a:spAutoFit/>
+            </a:bodyPr>
+            <a:lstStyle/>
+            <a:p>
+              <a:r>
+                <a:rPr lang="en-US" dirty="0">
+                  <a:solidFill>
+                    <a:srgbClr val="FF0000"/>
+                  </a:solidFill>
+                </a:rPr>
+                <a:t>13</a:t>
+              </a:r>
+            </a:p>
+          </p:txBody>
+        </p:sp>
+        <p:sp>
+          <p:nvSpPr>
+            <p:cNvPr id="100" name="TextBox 99"/>
+            <p:cNvSpPr txBox="1"/>
+            <p:nvPr/>
+          </p:nvSpPr>
+          <p:spPr>
+            <a:xfrm>
+              <a:off x="3301173" y="2200139"/>
+              <a:ext cx="418704" cy="369332"/>
+            </a:xfrm>
+            <a:prstGeom prst="rect">
+              <a:avLst/>
+            </a:prstGeom>
+            <a:noFill/>
+          </p:spPr>
+          <p:txBody>
+            <a:bodyPr wrap="none" rtlCol="0">
+              <a:spAutoFit/>
+            </a:bodyPr>
+            <a:lstStyle/>
+            <a:p>
+              <a:r>
+                <a:rPr lang="en-US" dirty="0">
+                  <a:solidFill>
+                    <a:srgbClr val="FF0000"/>
+                  </a:solidFill>
+                </a:rPr>
+                <a:t>10</a:t>
+              </a:r>
+            </a:p>
+          </p:txBody>
+        </p:sp>
+        <p:sp>
+          <p:nvSpPr>
+            <p:cNvPr id="101" name="TextBox 100"/>
+            <p:cNvSpPr txBox="1"/>
+            <p:nvPr/>
+          </p:nvSpPr>
+          <p:spPr>
+            <a:xfrm>
+              <a:off x="2826686" y="2200139"/>
+              <a:ext cx="301686" cy="369332"/>
+            </a:xfrm>
+            <a:prstGeom prst="rect">
+              <a:avLst/>
+            </a:prstGeom>
+            <a:noFill/>
+          </p:spPr>
+          <p:txBody>
+            <a:bodyPr wrap="none" rtlCol="0">
+              <a:spAutoFit/>
+            </a:bodyPr>
+            <a:lstStyle/>
+            <a:p>
+              <a:r>
+                <a:rPr lang="en-US" dirty="0">
+                  <a:solidFill>
+                    <a:srgbClr val="FF0000"/>
+                  </a:solidFill>
+                </a:rPr>
+                <a:t>8</a:t>
+              </a:r>
+            </a:p>
+          </p:txBody>
+        </p:sp>
+        <p:sp>
+          <p:nvSpPr>
+            <p:cNvPr id="102" name="TextBox 101"/>
+            <p:cNvSpPr txBox="1"/>
+            <p:nvPr/>
+          </p:nvSpPr>
+          <p:spPr>
+            <a:xfrm>
+              <a:off x="2358717" y="2200139"/>
+              <a:ext cx="301686" cy="369332"/>
+            </a:xfrm>
+            <a:prstGeom prst="rect">
+              <a:avLst/>
+            </a:prstGeom>
+            <a:noFill/>
+          </p:spPr>
+          <p:txBody>
+            <a:bodyPr wrap="none" rtlCol="0">
+              <a:spAutoFit/>
+            </a:bodyPr>
+            <a:lstStyle/>
+            <a:p>
+              <a:r>
+                <a:rPr lang="en-US" dirty="0">
+                  <a:solidFill>
+                    <a:srgbClr val="FF0000"/>
+                  </a:solidFill>
+                </a:rPr>
+                <a:t>6</a:t>
+              </a:r>
+            </a:p>
+          </p:txBody>
+        </p:sp>
+        <p:sp>
+          <p:nvSpPr>
+            <p:cNvPr id="103" name="TextBox 102"/>
+            <p:cNvSpPr txBox="1"/>
+            <p:nvPr/>
+          </p:nvSpPr>
+          <p:spPr>
+            <a:xfrm>
+              <a:off x="3918401" y="3367147"/>
+              <a:ext cx="418704" cy="369332"/>
+            </a:xfrm>
+            <a:prstGeom prst="rect">
+              <a:avLst/>
+            </a:prstGeom>
+            <a:noFill/>
+          </p:spPr>
+          <p:txBody>
+            <a:bodyPr wrap="none" rtlCol="0">
+              <a:spAutoFit/>
+            </a:bodyPr>
+            <a:lstStyle/>
+            <a:p>
+              <a:r>
+                <a:rPr lang="en-US" dirty="0">
+                  <a:solidFill>
+                    <a:srgbClr val="FF0000"/>
+                  </a:solidFill>
+                </a:rPr>
+                <a:t>12</a:t>
+              </a:r>
+            </a:p>
+          </p:txBody>
+        </p:sp>
+        <p:cxnSp>
+          <p:nvCxnSpPr>
+            <p:cNvPr id="104" name="Straight Arrow Connector 103"/>
+            <p:cNvCxnSpPr/>
+            <p:nvPr/>
+          </p:nvCxnSpPr>
+          <p:spPr>
+            <a:xfrm flipV="1">
+              <a:off x="3705278" y="3067764"/>
+              <a:ext cx="0" cy="363854"/>
+            </a:xfrm>
+            <a:prstGeom prst="straightConnector1">
+              <a:avLst/>
+            </a:prstGeom>
+            <a:ln>
+              <a:solidFill>
+                <a:srgbClr val="FF0000"/>
+              </a:solidFill>
+              <a:tailEnd type="triangle"/>
+            </a:ln>
+          </p:spPr>
+          <p:style>
+            <a:lnRef idx="3">
+              <a:schemeClr val="dk1"/>
+            </a:lnRef>
+            <a:fillRef idx="0">
+              <a:schemeClr val="dk1"/>
+            </a:fillRef>
+            <a:effectRef idx="2">
+              <a:schemeClr val="dk1"/>
+            </a:effectRef>
+            <a:fontRef idx="minor">
+              <a:schemeClr val="tx1"/>
+            </a:fontRef>
+          </p:style>
+        </p:cxnSp>
+      </p:grpSp>
+      <p:pic>
+        <p:nvPicPr>
+          <p:cNvPr id="106" name="Picture 105"/>
+          <p:cNvPicPr>
+            <a:picLocks noChangeAspect="1"/>
+          </p:cNvPicPr>
+          <p:nvPr/>
+        </p:nvPicPr>
+        <p:blipFill rotWithShape="1">
+          <a:blip r:embed="rId16"/>
+          <a:srcRect l="20207" r="75388" b="20790"/>
+          <a:stretch/>
+        </p:blipFill>
+        <p:spPr>
+          <a:xfrm>
+            <a:off x="2171700" y="4079254"/>
+            <a:ext cx="187018" cy="184361"/>
+          </a:xfrm>
+          <a:prstGeom prst="rect">
+            <a:avLst/>
+          </a:prstGeom>
+        </p:spPr>
+      </p:pic>
+      <p:pic>
+        <p:nvPicPr>
+          <p:cNvPr id="107" name="Picture 106"/>
+          <p:cNvPicPr>
+            <a:picLocks noChangeAspect="1"/>
+          </p:cNvPicPr>
+          <p:nvPr/>
+        </p:nvPicPr>
+        <p:blipFill rotWithShape="1">
+          <a:blip r:embed="rId17"/>
+          <a:srcRect l="1738" t="6046" r="2716" b="11273"/>
+          <a:stretch/>
+        </p:blipFill>
+        <p:spPr>
+          <a:xfrm>
+            <a:off x="2518940" y="4045757"/>
+            <a:ext cx="1119403" cy="220509"/>
           </a:xfrm>
           <a:prstGeom prst="rect">
             <a:avLst/>
@@ -7764,10 +8879,289 @@
           </a:prstGeom>
         </p:spPr>
       </p:pic>
+      <p:pic>
+        <p:nvPicPr>
+          <p:cNvPr id="2" name="Picture 1"/>
+          <p:cNvPicPr>
+            <a:picLocks noChangeAspect="1"/>
+          </p:cNvPicPr>
+          <p:nvPr/>
+        </p:nvPicPr>
+        <p:blipFill>
+          <a:blip r:embed="rId3"/>
+          <a:stretch>
+            <a:fillRect/>
+          </a:stretch>
+        </p:blipFill>
+        <p:spPr>
+          <a:xfrm>
+            <a:off x="766762" y="2171700"/>
+            <a:ext cx="5324475" cy="4800600"/>
+          </a:xfrm>
+          <a:prstGeom prst="rect">
+            <a:avLst/>
+          </a:prstGeom>
+        </p:spPr>
+      </p:pic>
     </p:spTree>
     <p:extLst>
       <p:ext uri="{BB962C8B-B14F-4D97-AF65-F5344CB8AC3E}">
         <p14:creationId xmlns:p14="http://schemas.microsoft.com/office/powerpoint/2010/main" val="1559166315"/>
+      </p:ext>
+    </p:extLst>
+  </p:cSld>
+  <p:clrMapOvr>
+    <a:masterClrMapping/>
+  </p:clrMapOvr>
+</p:sld>
+</file>
+
+<file path=ppt/slides/slide7.xml><?xml version="1.0" encoding="utf-8"?>
+<p:sld xmlns:a="http://schemas.openxmlformats.org/drawingml/2006/main" xmlns:r="http://schemas.openxmlformats.org/officeDocument/2006/relationships" xmlns:p="http://schemas.openxmlformats.org/presentationml/2006/main">
+  <p:cSld>
+    <p:spTree>
+      <p:nvGrpSpPr>
+        <p:cNvPr id="1" name=""/>
+        <p:cNvGrpSpPr/>
+        <p:nvPr/>
+      </p:nvGrpSpPr>
+      <p:grpSpPr>
+        <a:xfrm>
+          <a:off x="0" y="0"/>
+          <a:ext cx="0" cy="0"/>
+          <a:chOff x="0" y="0"/>
+          <a:chExt cx="0" cy="0"/>
+        </a:xfrm>
+      </p:grpSpPr>
+      <p:pic>
+        <p:nvPicPr>
+          <p:cNvPr id="5" name="Picture 4"/>
+          <p:cNvPicPr>
+            <a:picLocks noChangeAspect="1"/>
+          </p:cNvPicPr>
+          <p:nvPr/>
+        </p:nvPicPr>
+        <p:blipFill>
+          <a:blip r:embed="rId2"/>
+          <a:stretch>
+            <a:fillRect/>
+          </a:stretch>
+        </p:blipFill>
+        <p:spPr>
+          <a:xfrm>
+            <a:off x="757237" y="2166937"/>
+            <a:ext cx="5343525" cy="4810125"/>
+          </a:xfrm>
+          <a:prstGeom prst="rect">
+            <a:avLst/>
+          </a:prstGeom>
+        </p:spPr>
+      </p:pic>
+    </p:spTree>
+    <p:extLst>
+      <p:ext uri="{BB962C8B-B14F-4D97-AF65-F5344CB8AC3E}">
+        <p14:creationId xmlns:p14="http://schemas.microsoft.com/office/powerpoint/2010/main" val="916124032"/>
+      </p:ext>
+    </p:extLst>
+  </p:cSld>
+  <p:clrMapOvr>
+    <a:masterClrMapping/>
+  </p:clrMapOvr>
+</p:sld>
+</file>
+
+<file path=ppt/slides/slide8.xml><?xml version="1.0" encoding="utf-8"?>
+<p:sld xmlns:a="http://schemas.openxmlformats.org/drawingml/2006/main" xmlns:r="http://schemas.openxmlformats.org/officeDocument/2006/relationships" xmlns:p="http://schemas.openxmlformats.org/presentationml/2006/main">
+  <p:cSld>
+    <p:spTree>
+      <p:nvGrpSpPr>
+        <p:cNvPr id="1" name=""/>
+        <p:cNvGrpSpPr/>
+        <p:nvPr/>
+      </p:nvGrpSpPr>
+      <p:grpSpPr>
+        <a:xfrm>
+          <a:off x="0" y="0"/>
+          <a:ext cx="0" cy="0"/>
+          <a:chOff x="0" y="0"/>
+          <a:chExt cx="0" cy="0"/>
+        </a:xfrm>
+      </p:grpSpPr>
+      <p:pic>
+        <p:nvPicPr>
+          <p:cNvPr id="4" name="Picture 3"/>
+          <p:cNvPicPr>
+            <a:picLocks noChangeAspect="1"/>
+          </p:cNvPicPr>
+          <p:nvPr/>
+        </p:nvPicPr>
+        <p:blipFill>
+          <a:blip r:embed="rId2"/>
+          <a:stretch>
+            <a:fillRect/>
+          </a:stretch>
+        </p:blipFill>
+        <p:spPr>
+          <a:xfrm>
+            <a:off x="2100262" y="1634490"/>
+            <a:ext cx="2657475" cy="2476500"/>
+          </a:xfrm>
+          <a:prstGeom prst="rect">
+            <a:avLst/>
+          </a:prstGeom>
+        </p:spPr>
+      </p:pic>
+      <p:pic>
+        <p:nvPicPr>
+          <p:cNvPr id="5" name="Picture 4"/>
+          <p:cNvPicPr>
+            <a:picLocks noChangeAspect="1"/>
+          </p:cNvPicPr>
+          <p:nvPr/>
+        </p:nvPicPr>
+        <p:blipFill rotWithShape="1">
+          <a:blip r:embed="rId3"/>
+          <a:srcRect t="1211"/>
+          <a:stretch/>
+        </p:blipFill>
+        <p:spPr>
+          <a:xfrm>
+            <a:off x="-1" y="4427220"/>
+            <a:ext cx="6858000" cy="3147536"/>
+          </a:xfrm>
+          <a:prstGeom prst="rect">
+            <a:avLst/>
+          </a:prstGeom>
+        </p:spPr>
+      </p:pic>
+      <p:pic>
+        <p:nvPicPr>
+          <p:cNvPr id="6" name="Picture 5"/>
+          <p:cNvPicPr>
+            <a:picLocks noChangeAspect="1"/>
+          </p:cNvPicPr>
+          <p:nvPr/>
+        </p:nvPicPr>
+        <p:blipFill rotWithShape="1">
+          <a:blip r:embed="rId3"/>
+          <a:srcRect l="43889" t="12930" r="53778" b="81091"/>
+          <a:stretch/>
+        </p:blipFill>
+        <p:spPr>
+          <a:xfrm>
+            <a:off x="4757737" y="4236720"/>
+            <a:ext cx="160021" cy="190500"/>
+          </a:xfrm>
+          <a:prstGeom prst="rect">
+            <a:avLst/>
+          </a:prstGeom>
+        </p:spPr>
+      </p:pic>
+      <p:pic>
+        <p:nvPicPr>
+          <p:cNvPr id="7" name="Picture 6"/>
+          <p:cNvPicPr>
+            <a:picLocks noChangeAspect="1"/>
+          </p:cNvPicPr>
+          <p:nvPr/>
+        </p:nvPicPr>
+        <p:blipFill rotWithShape="1">
+          <a:blip r:embed="rId3"/>
+          <a:srcRect l="46222" t="14126" r="51445" b="81569"/>
+          <a:stretch/>
+        </p:blipFill>
+        <p:spPr>
+          <a:xfrm>
+            <a:off x="5455919" y="4063365"/>
+            <a:ext cx="160021" cy="137160"/>
+          </a:xfrm>
+          <a:prstGeom prst="rect">
+            <a:avLst/>
+          </a:prstGeom>
+        </p:spPr>
+      </p:pic>
+    </p:spTree>
+    <p:extLst>
+      <p:ext uri="{BB962C8B-B14F-4D97-AF65-F5344CB8AC3E}">
+        <p14:creationId xmlns:p14="http://schemas.microsoft.com/office/powerpoint/2010/main" val="2431082022"/>
+      </p:ext>
+    </p:extLst>
+  </p:cSld>
+  <p:clrMapOvr>
+    <a:masterClrMapping/>
+  </p:clrMapOvr>
+</p:sld>
+</file>
+
+<file path=ppt/slides/slide9.xml><?xml version="1.0" encoding="utf-8"?>
+<p:sld xmlns:a="http://schemas.openxmlformats.org/drawingml/2006/main" xmlns:r="http://schemas.openxmlformats.org/officeDocument/2006/relationships" xmlns:p="http://schemas.openxmlformats.org/presentationml/2006/main">
+  <p:cSld>
+    <p:spTree>
+      <p:nvGrpSpPr>
+        <p:cNvPr id="1" name=""/>
+        <p:cNvGrpSpPr/>
+        <p:nvPr/>
+      </p:nvGrpSpPr>
+      <p:grpSpPr>
+        <a:xfrm>
+          <a:off x="0" y="0"/>
+          <a:ext cx="0" cy="0"/>
+          <a:chOff x="0" y="0"/>
+          <a:chExt cx="0" cy="0"/>
+        </a:xfrm>
+      </p:grpSpPr>
+      <p:pic>
+        <p:nvPicPr>
+          <p:cNvPr id="4" name="Picture 3"/>
+          <p:cNvPicPr>
+            <a:picLocks noChangeAspect="1"/>
+          </p:cNvPicPr>
+          <p:nvPr/>
+        </p:nvPicPr>
+        <p:blipFill>
+          <a:blip r:embed="rId2"/>
+          <a:stretch>
+            <a:fillRect/>
+          </a:stretch>
+        </p:blipFill>
+        <p:spPr>
+          <a:xfrm>
+            <a:off x="0" y="3277840"/>
+            <a:ext cx="6858000" cy="2588319"/>
+          </a:xfrm>
+          <a:prstGeom prst="rect">
+            <a:avLst/>
+          </a:prstGeom>
+        </p:spPr>
+      </p:pic>
+      <p:pic>
+        <p:nvPicPr>
+          <p:cNvPr id="5" name="Picture 4"/>
+          <p:cNvPicPr>
+            <a:picLocks noChangeAspect="1"/>
+          </p:cNvPicPr>
+          <p:nvPr/>
+        </p:nvPicPr>
+        <p:blipFill>
+          <a:blip r:embed="rId3"/>
+          <a:stretch>
+            <a:fillRect/>
+          </a:stretch>
+        </p:blipFill>
+        <p:spPr>
+          <a:xfrm>
+            <a:off x="609600" y="2033587"/>
+            <a:ext cx="5638800" cy="5076825"/>
+          </a:xfrm>
+          <a:prstGeom prst="rect">
+            <a:avLst/>
+          </a:prstGeom>
+        </p:spPr>
+      </p:pic>
+    </p:spTree>
+    <p:extLst>
+      <p:ext uri="{BB962C8B-B14F-4D97-AF65-F5344CB8AC3E}">
+        <p14:creationId xmlns:p14="http://schemas.microsoft.com/office/powerpoint/2010/main" val="1108440924"/>
       </p:ext>
     </p:extLst>
   </p:cSld>
